--- a/SVM of Evolution in Ping Pong by shrimp.pptx
+++ b/SVM of Evolution in Ping Pong by shrimp.pptx
@@ -7,6 +7,11 @@
   <p:sldIdLst>
     <p:sldId id="256" r:id="rId2"/>
     <p:sldId id="257" r:id="rId3"/>
+    <p:sldId id="259" r:id="rId4"/>
+    <p:sldId id="260" r:id="rId5"/>
+    <p:sldId id="261" r:id="rId6"/>
+    <p:sldId id="262" r:id="rId7"/>
+    <p:sldId id="258" r:id="rId8"/>
   </p:sldIdLst>
   <p:sldSz cx="12192000" cy="6858000"/>
   <p:notesSz cx="6858000" cy="9144000"/>
@@ -125,6 +130,14 @@
 </p:cmAuthorLst>
 </file>
 
+<file path=ppt/revisionInfo.xml><?xml version="1.0" encoding="utf-8"?>
+<p1510:revInfo xmlns:a="http://schemas.openxmlformats.org/drawingml/2006/main" xmlns:r="http://schemas.openxmlformats.org/officeDocument/2006/relationships" xmlns:p1510="http://schemas.microsoft.com/office/powerpoint/2015/10/main">
+  <p1510:revLst>
+    <p1510:client id="{9E0C3D1A-2EF1-43BF-97A4-70E869C4F6D6}" v="949" dt="2019-11-27T09:19:38.794"/>
+  </p1510:revLst>
+</p1510:revInfo>
+</file>
+
 <file path=ppt/slideLayouts/slideLayout1.xml><?xml version="1.0" encoding="utf-8"?>
 <p:sldLayout xmlns:a="http://schemas.openxmlformats.org/drawingml/2006/main" xmlns:r="http://schemas.openxmlformats.org/officeDocument/2006/relationships" xmlns:p="http://schemas.openxmlformats.org/presentationml/2006/main" type="title" preserve="1">
   <p:cSld name="標題投影片">
@@ -310,7 +323,7 @@
           <a:p>
             <a:fld id="{F98097E5-F2AD-4DC9-8021-E2EDF5073C8D}" type="datetimeFigureOut">
               <a:rPr lang="zh-TW" altLang="en-US" smtClean="0"/>
-              <a:t>2019/11/20</a:t>
+              <a:t>2019/11/27</a:t>
             </a:fld>
             <a:endParaRPr lang="zh-TW" altLang="en-US"/>
           </a:p>
@@ -608,7 +621,7 @@
           <a:p>
             <a:fld id="{F98097E5-F2AD-4DC9-8021-E2EDF5073C8D}" type="datetimeFigureOut">
               <a:rPr lang="zh-TW" altLang="en-US" smtClean="0"/>
-              <a:t>2019/11/20</a:t>
+              <a:t>2019/11/27</a:t>
             </a:fld>
             <a:endParaRPr lang="zh-TW" altLang="en-US"/>
           </a:p>
@@ -800,7 +813,7 @@
           <a:p>
             <a:fld id="{F98097E5-F2AD-4DC9-8021-E2EDF5073C8D}" type="datetimeFigureOut">
               <a:rPr lang="zh-TW" altLang="en-US" smtClean="0"/>
-              <a:t>2019/11/20</a:t>
+              <a:t>2019/11/27</a:t>
             </a:fld>
             <a:endParaRPr lang="zh-TW" altLang="en-US"/>
           </a:p>
@@ -1061,7 +1074,7 @@
           <a:p>
             <a:fld id="{F98097E5-F2AD-4DC9-8021-E2EDF5073C8D}" type="datetimeFigureOut">
               <a:rPr lang="zh-TW" altLang="en-US" smtClean="0"/>
-              <a:t>2019/11/20</a:t>
+              <a:t>2019/11/27</a:t>
             </a:fld>
             <a:endParaRPr lang="zh-TW" altLang="en-US"/>
           </a:p>
@@ -1485,7 +1498,7 @@
           <a:p>
             <a:fld id="{F98097E5-F2AD-4DC9-8021-E2EDF5073C8D}" type="datetimeFigureOut">
               <a:rPr lang="zh-TW" altLang="en-US" smtClean="0"/>
-              <a:t>2019/11/20</a:t>
+              <a:t>2019/11/27</a:t>
             </a:fld>
             <a:endParaRPr lang="zh-TW" altLang="en-US"/>
           </a:p>
@@ -2022,7 +2035,7 @@
           <a:p>
             <a:fld id="{F98097E5-F2AD-4DC9-8021-E2EDF5073C8D}" type="datetimeFigureOut">
               <a:rPr lang="zh-TW" altLang="en-US" smtClean="0"/>
-              <a:t>2019/11/20</a:t>
+              <a:t>2019/11/27</a:t>
             </a:fld>
             <a:endParaRPr lang="zh-TW" altLang="en-US"/>
           </a:p>
@@ -2886,7 +2899,7 @@
           <a:p>
             <a:fld id="{F98097E5-F2AD-4DC9-8021-E2EDF5073C8D}" type="datetimeFigureOut">
               <a:rPr lang="zh-TW" altLang="en-US" smtClean="0"/>
-              <a:t>2019/11/20</a:t>
+              <a:t>2019/11/27</a:t>
             </a:fld>
             <a:endParaRPr lang="zh-TW" altLang="en-US"/>
           </a:p>
@@ -3056,7 +3069,7 @@
           <a:p>
             <a:fld id="{F98097E5-F2AD-4DC9-8021-E2EDF5073C8D}" type="datetimeFigureOut">
               <a:rPr lang="zh-TW" altLang="en-US" smtClean="0"/>
-              <a:t>2019/11/20</a:t>
+              <a:t>2019/11/27</a:t>
             </a:fld>
             <a:endParaRPr lang="zh-TW" altLang="en-US"/>
           </a:p>
@@ -3240,7 +3253,7 @@
           <a:p>
             <a:fld id="{F98097E5-F2AD-4DC9-8021-E2EDF5073C8D}" type="datetimeFigureOut">
               <a:rPr lang="zh-TW" altLang="en-US" smtClean="0"/>
-              <a:t>2019/11/20</a:t>
+              <a:t>2019/11/27</a:t>
             </a:fld>
             <a:endParaRPr lang="zh-TW" altLang="en-US"/>
           </a:p>
@@ -3410,7 +3423,7 @@
           <a:p>
             <a:fld id="{F98097E5-F2AD-4DC9-8021-E2EDF5073C8D}" type="datetimeFigureOut">
               <a:rPr lang="zh-TW" altLang="en-US" smtClean="0"/>
-              <a:t>2019/11/20</a:t>
+              <a:t>2019/11/27</a:t>
             </a:fld>
             <a:endParaRPr lang="zh-TW" altLang="en-US"/>
           </a:p>
@@ -3654,7 +3667,7 @@
           <a:p>
             <a:fld id="{F98097E5-F2AD-4DC9-8021-E2EDF5073C8D}" type="datetimeFigureOut">
               <a:rPr lang="zh-TW" altLang="en-US" smtClean="0"/>
-              <a:t>2019/11/20</a:t>
+              <a:t>2019/11/27</a:t>
             </a:fld>
             <a:endParaRPr lang="zh-TW" altLang="en-US"/>
           </a:p>
@@ -3890,7 +3903,7 @@
           <a:p>
             <a:fld id="{F98097E5-F2AD-4DC9-8021-E2EDF5073C8D}" type="datetimeFigureOut">
               <a:rPr lang="zh-TW" altLang="en-US" smtClean="0"/>
-              <a:t>2019/11/20</a:t>
+              <a:t>2019/11/27</a:t>
             </a:fld>
             <a:endParaRPr lang="zh-TW" altLang="en-US"/>
           </a:p>
@@ -4356,7 +4369,7 @@
           <a:p>
             <a:fld id="{F98097E5-F2AD-4DC9-8021-E2EDF5073C8D}" type="datetimeFigureOut">
               <a:rPr lang="zh-TW" altLang="en-US" smtClean="0"/>
-              <a:t>2019/11/20</a:t>
+              <a:t>2019/11/27</a:t>
             </a:fld>
             <a:endParaRPr lang="zh-TW" altLang="en-US"/>
           </a:p>
@@ -4474,7 +4487,7 @@
           <a:p>
             <a:fld id="{F98097E5-F2AD-4DC9-8021-E2EDF5073C8D}" type="datetimeFigureOut">
               <a:rPr lang="zh-TW" altLang="en-US" smtClean="0"/>
-              <a:t>2019/11/20</a:t>
+              <a:t>2019/11/27</a:t>
             </a:fld>
             <a:endParaRPr lang="zh-TW" altLang="en-US"/>
           </a:p>
@@ -4569,7 +4582,7 @@
           <a:p>
             <a:fld id="{F98097E5-F2AD-4DC9-8021-E2EDF5073C8D}" type="datetimeFigureOut">
               <a:rPr lang="zh-TW" altLang="en-US" smtClean="0"/>
-              <a:t>2019/11/20</a:t>
+              <a:t>2019/11/27</a:t>
             </a:fld>
             <a:endParaRPr lang="zh-TW" altLang="en-US"/>
           </a:p>
@@ -4824,7 +4837,7 @@
           <a:p>
             <a:fld id="{F98097E5-F2AD-4DC9-8021-E2EDF5073C8D}" type="datetimeFigureOut">
               <a:rPr lang="zh-TW" altLang="en-US" smtClean="0"/>
-              <a:t>2019/11/20</a:t>
+              <a:t>2019/11/27</a:t>
             </a:fld>
             <a:endParaRPr lang="zh-TW" altLang="en-US"/>
           </a:p>
@@ -5124,7 +5137,7 @@
           <a:p>
             <a:fld id="{F98097E5-F2AD-4DC9-8021-E2EDF5073C8D}" type="datetimeFigureOut">
               <a:rPr lang="zh-TW" altLang="en-US" smtClean="0"/>
-              <a:t>2019/11/20</a:t>
+              <a:t>2019/11/27</a:t>
             </a:fld>
             <a:endParaRPr lang="zh-TW" altLang="en-US"/>
           </a:p>
@@ -5358,7 +5371,7 @@
           <a:p>
             <a:fld id="{F98097E5-F2AD-4DC9-8021-E2EDF5073C8D}" type="datetimeFigureOut">
               <a:rPr lang="zh-TW" altLang="en-US" smtClean="0"/>
-              <a:t>2019/11/20</a:t>
+              <a:t>2019/11/27</a:t>
             </a:fld>
             <a:endParaRPr lang="zh-TW" altLang="en-US"/>
           </a:p>
@@ -6056,7 +6069,7 @@
           <a:lstStyle/>
           <a:p>
             <a:r>
-              <a:rPr lang="en-US" altLang="zh-TW" dirty="0" smtClean="0"/>
+              <a:rPr lang="en-US" altLang="zh-TW" dirty="0"/>
               <a:t>SVM of Evolution in Ping Pong by shrimp</a:t>
             </a:r>
             <a:endParaRPr lang="zh-TW" altLang="en-US" dirty="0"/>
@@ -6184,110 +6197,182 @@
           <a:bodyPr/>
           <a:lstStyle/>
           <a:p>
-            <a:r>
-              <a:rPr lang="zh-TW" altLang="en-US" dirty="0" smtClean="0"/>
+            <a:pPr indent="-305435"/>
+            <a:r>
+              <a:rPr lang="zh-TW" altLang="en-US" dirty="0"/>
               <a:t>要用</a:t>
             </a:r>
             <a:r>
-              <a:rPr lang="en-US" altLang="zh-TW" dirty="0" smtClean="0"/>
+              <a:rPr lang="en-US" altLang="zh-TW" dirty="0"/>
               <a:t>SVM</a:t>
             </a:r>
             <a:r>
-              <a:rPr lang="zh-TW" altLang="en-US" dirty="0" smtClean="0"/>
+              <a:rPr lang="zh-TW" altLang="en-US" dirty="0"/>
               <a:t>完乒乓球遊戲，</a:t>
             </a:r>
             <a:r>
-              <a:rPr lang="en-US" altLang="zh-TW" dirty="0" smtClean="0"/>
+              <a:rPr lang="en-US" altLang="zh-TW" dirty="0"/>
               <a:t>SVM</a:t>
             </a:r>
             <a:r>
-              <a:rPr lang="zh-TW" altLang="en-US" dirty="0" smtClean="0"/>
+              <a:rPr lang="zh-TW" altLang="en-US" dirty="0"/>
               <a:t>要是自己編寫的，我不想花太多思緒在設計</a:t>
             </a:r>
             <a:r>
-              <a:rPr lang="en-US" altLang="zh-TW" dirty="0" smtClean="0"/>
+              <a:rPr lang="en-US" altLang="zh-TW" dirty="0"/>
               <a:t>Rule base</a:t>
             </a:r>
             <a:r>
-              <a:rPr lang="zh-TW" altLang="en-US" dirty="0" smtClean="0"/>
+              <a:rPr lang="zh-TW" altLang="en-US" dirty="0"/>
               <a:t>、</a:t>
             </a:r>
             <a:r>
               <a:rPr lang="en-US" altLang="zh-TW" dirty="0"/>
-              <a:t>D</a:t>
-            </a:r>
-            <a:r>
-              <a:rPr lang="en-US" altLang="zh-TW" dirty="0" smtClean="0"/>
-              <a:t>ata analysis</a:t>
-            </a:r>
-            <a:r>
-              <a:rPr lang="zh-TW" altLang="en-US" dirty="0" smtClean="0"/>
-              <a:t>，我要它一邊打一邊進步，不要讓我浪費時間去思考它如何進步</a:t>
-            </a:r>
-            <a:r>
-              <a:rPr lang="zh-TW" altLang="en-US" dirty="0" smtClean="0"/>
-              <a:t>。</a:t>
-            </a:r>
-            <a:endParaRPr lang="en-US" altLang="zh-TW" dirty="0"/>
-          </a:p>
-          <a:p>
+              <a:t>Data analysis</a:t>
+            </a:r>
+            <a:r>
+              <a:rPr lang="zh-TW" altLang="en-US" dirty="0"/>
+              <a:t>，我要它一邊打一邊進步，不要讓我浪費時間去思考它如何進步。</a:t>
+            </a:r>
+            <a:endParaRPr lang="en-US" altLang="zh-TW" dirty="0">
+              <a:ln>
+                <a:solidFill>
+                  <a:prstClr val="black">
+                    <a:lumMod val="75000"/>
+                    <a:lumOff val="25000"/>
+                    <a:alpha val="10000"/>
+                  </a:prstClr>
+                </a:solidFill>
+              </a:ln>
+              <a:effectLst>
+                <a:outerShdw blurRad="9525" dist="25400" dir="14640000" algn="tl" rotWithShape="0">
+                  <a:prstClr val="black">
+                    <a:alpha val="30000"/>
+                  </a:prstClr>
+                </a:outerShdw>
+              </a:effectLst>
+            </a:endParaRPr>
+          </a:p>
+          <a:p>
+            <a:pPr indent="-305435"/>
             <a:r>
               <a:rPr lang="zh-TW" altLang="en-US" dirty="0"/>
               <a:t>功能需求：</a:t>
             </a:r>
-            <a:endParaRPr lang="en-US" altLang="zh-TW" dirty="0"/>
-          </a:p>
-          <a:p>
-            <a:pPr lvl="1"/>
-            <a:r>
-              <a:rPr lang="zh-TW" altLang="en-US" dirty="0" smtClean="0"/>
-              <a:t>增強</a:t>
-            </a:r>
+            <a:endParaRPr lang="en-US" altLang="zh-TW" dirty="0">
+              <a:ln>
+                <a:solidFill>
+                  <a:prstClr val="black">
+                    <a:lumMod val="75000"/>
+                    <a:lumOff val="25000"/>
+                    <a:alpha val="10000"/>
+                  </a:prstClr>
+                </a:solidFill>
+              </a:ln>
+              <a:effectLst>
+                <a:outerShdw blurRad="9525" dist="25400" dir="14640000" algn="tl" rotWithShape="0">
+                  <a:prstClr val="black">
+                    <a:alpha val="30000"/>
+                  </a:prstClr>
+                </a:outerShdw>
+              </a:effectLst>
+            </a:endParaRPr>
+          </a:p>
+          <a:p>
+            <a:pPr marL="719455" lvl="1" indent="-269875"/>
             <a:r>
               <a:rPr lang="zh-TW" altLang="en-US" dirty="0"/>
-              <a:t>式</a:t>
-            </a:r>
-            <a:r>
-              <a:rPr lang="en-US" altLang="zh-TW" dirty="0" smtClean="0"/>
+              <a:t>增強式</a:t>
+            </a:r>
+            <a:r>
+              <a:rPr lang="en-US" altLang="zh-TW" dirty="0"/>
               <a:t>SVM</a:t>
             </a:r>
             <a:r>
-              <a:rPr lang="zh-TW" altLang="en-US" dirty="0" smtClean="0"/>
+              <a:rPr lang="zh-TW" altLang="en-US" dirty="0"/>
               <a:t>，放著給他跑，他會不斷進步</a:t>
             </a:r>
-            <a:endParaRPr lang="en-US" altLang="zh-TW" dirty="0" smtClean="0"/>
-          </a:p>
-          <a:p>
-            <a:pPr lvl="1"/>
-            <a:r>
-              <a:rPr lang="zh-TW" altLang="en-US" dirty="0" smtClean="0"/>
+            <a:endParaRPr lang="en-US" altLang="zh-TW" dirty="0">
+              <a:ln>
+                <a:solidFill>
+                  <a:prstClr val="black">
+                    <a:lumMod val="75000"/>
+                    <a:lumOff val="25000"/>
+                    <a:alpha val="10000"/>
+                  </a:prstClr>
+                </a:solidFill>
+              </a:ln>
+              <a:effectLst>
+                <a:outerShdw blurRad="9525" dist="25400" dir="14640000" algn="tl" rotWithShape="0">
+                  <a:prstClr val="black">
+                    <a:alpha val="30000"/>
+                  </a:prstClr>
+                </a:outerShdw>
+              </a:effectLst>
+            </a:endParaRPr>
+          </a:p>
+          <a:p>
+            <a:pPr marL="719455" lvl="1" indent="-269875"/>
+            <a:r>
+              <a:rPr lang="zh-TW" altLang="en-US" dirty="0"/>
               <a:t>能進</a:t>
             </a:r>
             <a:r>
-              <a:rPr lang="en-US" altLang="zh-TW" dirty="0" smtClean="0"/>
+              <a:rPr lang="en-US" altLang="zh-TW" dirty="0"/>
               <a:t>6</a:t>
             </a:r>
             <a:r>
-              <a:rPr lang="zh-TW" altLang="en-US" dirty="0" smtClean="0"/>
-              <a:t>強</a:t>
-            </a:r>
-            <a:r>
               <a:rPr lang="zh-TW" altLang="en-US" dirty="0"/>
-              <a:t>賽</a:t>
-            </a:r>
-            <a:endParaRPr lang="en-US" altLang="zh-TW" dirty="0" smtClean="0"/>
-          </a:p>
-          <a:p>
-            <a:r>
-              <a:rPr lang="zh-TW" altLang="en-US" dirty="0" smtClean="0"/>
+              <a:t>強賽</a:t>
+            </a:r>
+            <a:endParaRPr lang="en-US" altLang="zh-TW" dirty="0">
+              <a:ln>
+                <a:solidFill>
+                  <a:prstClr val="black">
+                    <a:lumMod val="75000"/>
+                    <a:lumOff val="25000"/>
+                    <a:alpha val="10000"/>
+                  </a:prstClr>
+                </a:solidFill>
+              </a:ln>
+              <a:effectLst>
+                <a:outerShdw blurRad="9525" dist="25400" dir="14640000" algn="tl" rotWithShape="0">
+                  <a:prstClr val="black">
+                    <a:alpha val="30000"/>
+                  </a:prstClr>
+                </a:outerShdw>
+              </a:effectLst>
+            </a:endParaRPr>
+          </a:p>
+          <a:p>
+            <a:pPr indent="-305435"/>
+            <a:r>
+              <a:rPr lang="zh-TW" altLang="en-US" dirty="0"/>
               <a:t>效能規格：</a:t>
             </a:r>
-            <a:endParaRPr lang="en-US" altLang="zh-TW" dirty="0" smtClean="0"/>
-          </a:p>
-          <a:p>
-            <a:pPr lvl="1"/>
-            <a:r>
-              <a:rPr lang="en-US" altLang="zh-TW" dirty="0" smtClean="0"/>
+            <a:endParaRPr lang="en-US" altLang="zh-TW" dirty="0">
+              <a:ln>
+                <a:solidFill>
+                  <a:prstClr val="black">
+                    <a:lumMod val="75000"/>
+                    <a:lumOff val="25000"/>
+                    <a:alpha val="10000"/>
+                  </a:prstClr>
+                </a:solidFill>
+              </a:ln>
+              <a:effectLst>
+                <a:outerShdw blurRad="9525" dist="25400" dir="14640000" algn="tl" rotWithShape="0">
+                  <a:prstClr val="black">
+                    <a:alpha val="30000"/>
+                  </a:prstClr>
+                </a:outerShdw>
+              </a:effectLst>
+            </a:endParaRPr>
+          </a:p>
+          <a:p>
+            <a:pPr marL="719455" lvl="1" indent="-269875"/>
+            <a:r>
+              <a:rPr lang="en-US" altLang="zh-TW" dirty="0"/>
               <a:t>FPS</a:t>
             </a:r>
             <a:r>
@@ -6298,22 +6383,67 @@
               <a:rPr lang="en-US" altLang="zh-TW" dirty="0"/>
               <a:t>55</a:t>
             </a:r>
-          </a:p>
-          <a:p>
-            <a:pPr lvl="1"/>
-            <a:r>
-              <a:rPr lang="zh-TW" altLang="en-US" dirty="0" smtClean="0"/>
+            <a:endParaRPr lang="en-US" altLang="zh-TW" dirty="0">
+              <a:ln>
+                <a:solidFill>
+                  <a:prstClr val="black">
+                    <a:lumMod val="75000"/>
+                    <a:lumOff val="25000"/>
+                    <a:alpha val="10000"/>
+                  </a:prstClr>
+                </a:solidFill>
+              </a:ln>
+              <a:effectLst>
+                <a:outerShdw blurRad="9525" dist="25400" dir="14640000" algn="tl" rotWithShape="0">
+                  <a:prstClr val="black">
+                    <a:alpha val="30000"/>
+                  </a:prstClr>
+                </a:outerShdw>
+              </a:effectLst>
+            </a:endParaRPr>
+          </a:p>
+          <a:p>
+            <a:pPr marL="719455" lvl="1" indent="-269875"/>
+            <a:r>
+              <a:rPr lang="zh-TW" altLang="en-US">
+                <a:ea typeface="微軟正黑體"/>
+              </a:rPr>
               <a:t>用</a:t>
             </a:r>
             <a:r>
-              <a:rPr lang="en-US" altLang="zh-TW" dirty="0" smtClean="0"/>
+              <a:rPr lang="en-US" altLang="zh-TW" dirty="0">
+                <a:ea typeface="微軟正黑體"/>
+              </a:rPr>
               <a:t>B504</a:t>
             </a:r>
             <a:r>
-              <a:rPr lang="zh-TW" altLang="en-US" dirty="0" smtClean="0"/>
+              <a:rPr lang="zh-TW" altLang="en-US">
+                <a:ea typeface="微軟正黑體"/>
+              </a:rPr>
               <a:t>的電腦</a:t>
             </a:r>
-            <a:endParaRPr lang="zh-TW" altLang="en-US" dirty="0"/>
+          </a:p>
+          <a:p>
+            <a:pPr indent="-305435"/>
+            <a:endParaRPr lang="zh-TW" altLang="en-US" dirty="0">
+              <a:ln>
+                <a:solidFill>
+                  <a:prstClr val="black">
+                    <a:lumMod val="75000"/>
+                    <a:lumOff val="25000"/>
+                    <a:alpha val="10000"/>
+                  </a:prstClr>
+                </a:solidFill>
+              </a:ln>
+              <a:effectLst>
+                <a:outerShdw blurRad="9525" dist="25400" dir="14640000" algn="tl" rotWithShape="0">
+                  <a:prstClr val="black">
+                    <a:alpha val="30000"/>
+                  </a:prstClr>
+                </a:outerShdw>
+              </a:effectLst>
+              <a:ea typeface="微軟正黑體"/>
+            </a:endParaRPr>
           </a:p>
         </p:txBody>
       </p:sp>
@@ -6321,6 +6451,3765 @@
     <p:extLst>
       <p:ext uri="{BB962C8B-B14F-4D97-AF65-F5344CB8AC3E}">
         <p14:creationId xmlns:p14="http://schemas.microsoft.com/office/powerpoint/2010/main" val="1577846357"/>
+      </p:ext>
+    </p:extLst>
+  </p:cSld>
+  <p:clrMapOvr>
+    <a:masterClrMapping/>
+  </p:clrMapOvr>
+</p:sld>
+</file>
+
+<file path=ppt/slides/slide3.xml><?xml version="1.0" encoding="utf-8"?>
+<p:sld xmlns:a="http://schemas.openxmlformats.org/drawingml/2006/main" xmlns:r="http://schemas.openxmlformats.org/officeDocument/2006/relationships" xmlns:p="http://schemas.openxmlformats.org/presentationml/2006/main">
+  <p:cSld>
+    <p:spTree>
+      <p:nvGrpSpPr>
+        <p:cNvPr id="1" name=""/>
+        <p:cNvGrpSpPr/>
+        <p:nvPr/>
+      </p:nvGrpSpPr>
+      <p:grpSpPr>
+        <a:xfrm>
+          <a:off x="0" y="0"/>
+          <a:ext cx="0" cy="0"/>
+          <a:chOff x="0" y="0"/>
+          <a:chExt cx="0" cy="0"/>
+        </a:xfrm>
+      </p:grpSpPr>
+      <p:sp>
+        <p:nvSpPr>
+          <p:cNvPr id="2" name="標題 1">
+            <a:extLst>
+              <a:ext uri="{FF2B5EF4-FFF2-40B4-BE49-F238E27FC236}">
+                <a16:creationId xmlns:a16="http://schemas.microsoft.com/office/drawing/2014/main" id="{A8B59EB4-6ADE-4342-8997-B033A8F52FBB}"/>
+              </a:ext>
+            </a:extLst>
+          </p:cNvPr>
+          <p:cNvSpPr>
+            <a:spLocks noGrp="1"/>
+          </p:cNvSpPr>
+          <p:nvPr>
+            <p:ph type="title"/>
+          </p:nvPr>
+        </p:nvSpPr>
+        <p:spPr/>
+        <p:txBody>
+          <a:bodyPr/>
+          <a:lstStyle/>
+          <a:p>
+            <a:r>
+              <a:rPr lang="zh-TW" altLang="en-US">
+                <a:ln>
+                  <a:solidFill>
+                    <a:prstClr val="black">
+                      <a:lumMod val="75000"/>
+                      <a:lumOff val="25000"/>
+                      <a:alpha val="10000"/>
+                    </a:prstClr>
+                  </a:solidFill>
+                </a:ln>
+                <a:effectLst>
+                  <a:outerShdw blurRad="9525" dist="25400" dir="14640000" algn="tl" rotWithShape="0">
+                    <a:prstClr val="black">
+                      <a:alpha val="30000"/>
+                    </a:prstClr>
+                  </a:outerShdw>
+                </a:effectLst>
+                <a:ea typeface="微軟正黑體"/>
+              </a:rPr>
+              <a:t>分析 - break bown：</a:t>
+            </a:r>
+            <a:endParaRPr lang="zh-TW" altLang="en-US" dirty="0">
+              <a:ln>
+                <a:solidFill>
+                  <a:prstClr val="black">
+                    <a:lumMod val="75000"/>
+                    <a:lumOff val="25000"/>
+                    <a:alpha val="10000"/>
+                  </a:prstClr>
+                </a:solidFill>
+              </a:ln>
+              <a:effectLst>
+                <a:outerShdw blurRad="9525" dist="25400" dir="14640000" algn="tl" rotWithShape="0">
+                  <a:prstClr val="black">
+                    <a:alpha val="30000"/>
+                  </a:prstClr>
+                </a:outerShdw>
+              </a:effectLst>
+              <a:ea typeface="微軟正黑體"/>
+            </a:endParaRPr>
+          </a:p>
+        </p:txBody>
+      </p:sp>
+      <p:pic>
+        <p:nvPicPr>
+          <p:cNvPr id="4" name="圖片 4" descr="一張含有 螢幕擷取畫面 的圖片&#10;&#10;描述是以非常高的可信度產生">
+            <a:extLst>
+              <a:ext uri="{FF2B5EF4-FFF2-40B4-BE49-F238E27FC236}">
+                <a16:creationId xmlns:a16="http://schemas.microsoft.com/office/drawing/2014/main" id="{15E2AE9D-F148-477C-8462-45B95C26E594}"/>
+              </a:ext>
+            </a:extLst>
+          </p:cNvPr>
+          <p:cNvPicPr>
+            <a:picLocks noGrp="1" noChangeAspect="1"/>
+          </p:cNvPicPr>
+          <p:nvPr>
+            <p:ph idx="1"/>
+          </p:nvPr>
+        </p:nvPicPr>
+        <p:blipFill>
+          <a:blip r:embed="rId2"/>
+          <a:stretch>
+            <a:fillRect/>
+          </a:stretch>
+        </p:blipFill>
+        <p:spPr>
+          <a:xfrm>
+            <a:off x="1127621" y="1868467"/>
+            <a:ext cx="6772275" cy="4019550"/>
+          </a:xfrm>
+        </p:spPr>
+      </p:pic>
+      <p:sp>
+        <p:nvSpPr>
+          <p:cNvPr id="6" name="文字方塊 5">
+            <a:extLst>
+              <a:ext uri="{FF2B5EF4-FFF2-40B4-BE49-F238E27FC236}">
+                <a16:creationId xmlns:a16="http://schemas.microsoft.com/office/drawing/2014/main" id="{7AF6669A-570B-4422-BE13-FCD19FE25CDD}"/>
+              </a:ext>
+            </a:extLst>
+          </p:cNvPr>
+          <p:cNvSpPr txBox="1"/>
+          <p:nvPr/>
+        </p:nvSpPr>
+        <p:spPr>
+          <a:xfrm>
+            <a:off x="8248651" y="2470150"/>
+            <a:ext cx="3346450" cy="1754326"/>
+          </a:xfrm>
+          <a:prstGeom prst="rect">
+            <a:avLst/>
+          </a:prstGeom>
+          <a:noFill/>
+        </p:spPr>
+        <p:txBody>
+          <a:bodyPr rot="0" spcFirstLastPara="0" vertOverflow="overflow" horzOverflow="overflow" vert="horz" wrap="square" lIns="91440" tIns="45720" rIns="91440" bIns="45720" numCol="1" spcCol="0" rtlCol="0" fromWordArt="0" anchor="t" anchorCtr="0" forceAA="0" compatLnSpc="1">
+            <a:prstTxWarp prst="textNoShape">
+              <a:avLst/>
+            </a:prstTxWarp>
+            <a:spAutoFit/>
+          </a:bodyPr>
+          <a:lstStyle/>
+          <a:p>
+            <a:r>
+              <a:rPr lang="zh-TW" altLang="en-US">
+                <a:ea typeface="微軟正黑體"/>
+              </a:rPr>
+              <a:t>Block 1 : SVM train</a:t>
+            </a:r>
+          </a:p>
+          <a:p>
+            <a:r>
+              <a:rPr lang="zh-TW">
+                <a:ea typeface="微軟正黑體"/>
+              </a:rPr>
+              <a:t>Block </a:t>
+            </a:r>
+            <a:r>
+              <a:rPr lang="en-US" altLang="zh-TW" dirty="0">
+                <a:ea typeface="微軟正黑體"/>
+              </a:rPr>
+              <a:t>2</a:t>
+            </a:r>
+            <a:r>
+              <a:rPr lang="zh-TW" altLang="en-US">
+                <a:ea typeface="微軟正黑體"/>
+              </a:rPr>
+              <a:t> </a:t>
+            </a:r>
+            <a:r>
+              <a:rPr lang="zh-TW">
+                <a:ea typeface="微軟正黑體"/>
+              </a:rPr>
+              <a:t>: SVM </a:t>
+            </a:r>
+            <a:r>
+              <a:rPr lang="en-US" altLang="zh-TW" dirty="0">
+                <a:ea typeface="微軟正黑體"/>
+              </a:rPr>
+              <a:t>p</a:t>
+            </a:r>
+            <a:r>
+              <a:rPr lang="zh-TW">
+                <a:ea typeface="微軟正黑體"/>
+              </a:rPr>
+              <a:t>r</a:t>
+            </a:r>
+            <a:r>
+              <a:rPr lang="en-US" altLang="zh-TW" dirty="0">
+                <a:ea typeface="微軟正黑體"/>
+              </a:rPr>
+              <a:t>edict</a:t>
+            </a:r>
+            <a:endParaRPr lang="zh-TW" dirty="0">
+              <a:ea typeface="+mn-lt"/>
+              <a:cs typeface="+mn-lt"/>
+            </a:endParaRPr>
+          </a:p>
+          <a:p>
+            <a:r>
+              <a:rPr lang="zh-TW">
+                <a:ea typeface="微軟正黑體"/>
+              </a:rPr>
+              <a:t>Block 3 : </a:t>
+            </a:r>
+            <a:r>
+              <a:rPr lang="en-US" altLang="zh-TW" dirty="0">
+                <a:ea typeface="微軟正黑體"/>
+              </a:rPr>
+              <a:t>data transform</a:t>
+            </a:r>
+            <a:endParaRPr lang="zh-TW" dirty="0">
+              <a:ea typeface="+mn-lt"/>
+              <a:cs typeface="+mn-lt"/>
+            </a:endParaRPr>
+          </a:p>
+          <a:p>
+            <a:r>
+              <a:rPr lang="zh-TW">
+                <a:ea typeface="微軟正黑體"/>
+              </a:rPr>
+              <a:t>Block </a:t>
+            </a:r>
+            <a:r>
+              <a:rPr lang="en-US" altLang="zh-TW" dirty="0">
+                <a:ea typeface="微軟正黑體"/>
+              </a:rPr>
+              <a:t>4</a:t>
+            </a:r>
+            <a:r>
+              <a:rPr lang="zh-TW">
+                <a:ea typeface="微軟正黑體"/>
+              </a:rPr>
+              <a:t> : </a:t>
+            </a:r>
+            <a:r>
+              <a:rPr lang="en-US" altLang="zh-TW" dirty="0">
+                <a:ea typeface="微軟正黑體"/>
+              </a:rPr>
+              <a:t>repeat Architecture</a:t>
+            </a:r>
+            <a:endParaRPr lang="zh-TW" dirty="0">
+              <a:ea typeface="+mn-lt"/>
+              <a:cs typeface="+mn-lt"/>
+            </a:endParaRPr>
+          </a:p>
+          <a:p>
+            <a:r>
+              <a:rPr lang="zh-TW">
+                <a:ea typeface="微軟正黑體"/>
+              </a:rPr>
+              <a:t>Block </a:t>
+            </a:r>
+            <a:r>
+              <a:rPr lang="en-US" altLang="zh-TW" dirty="0">
+                <a:ea typeface="微軟正黑體"/>
+              </a:rPr>
+              <a:t>5</a:t>
+            </a:r>
+            <a:r>
+              <a:rPr lang="zh-TW">
+                <a:ea typeface="微軟正黑體"/>
+              </a:rPr>
+              <a:t> : </a:t>
+            </a:r>
+            <a:r>
+              <a:rPr lang="en-US" altLang="zh-TW" dirty="0">
+                <a:ea typeface="微軟正黑體"/>
+              </a:rPr>
+              <a:t>ping</a:t>
+            </a:r>
+            <a:r>
+              <a:rPr lang="zh-TW" dirty="0">
+                <a:ea typeface="微軟正黑體"/>
+              </a:rPr>
+              <a:t> </a:t>
+            </a:r>
+            <a:r>
+              <a:rPr lang="en-US" altLang="zh-TW" dirty="0">
+                <a:ea typeface="微軟正黑體"/>
+              </a:rPr>
+              <a:t>pong play mode</a:t>
+            </a:r>
+            <a:endParaRPr lang="zh-TW" dirty="0">
+              <a:ea typeface="+mn-lt"/>
+              <a:cs typeface="+mn-lt"/>
+            </a:endParaRPr>
+          </a:p>
+          <a:p>
+            <a:endParaRPr lang="zh-TW" altLang="en-US" dirty="0">
+              <a:ea typeface="微軟正黑體"/>
+            </a:endParaRPr>
+          </a:p>
+        </p:txBody>
+      </p:sp>
+    </p:spTree>
+    <p:extLst>
+      <p:ext uri="{BB962C8B-B14F-4D97-AF65-F5344CB8AC3E}">
+        <p14:creationId xmlns:p14="http://schemas.microsoft.com/office/powerpoint/2010/main" val="2153908369"/>
+      </p:ext>
+    </p:extLst>
+  </p:cSld>
+  <p:clrMapOvr>
+    <a:masterClrMapping/>
+  </p:clrMapOvr>
+</p:sld>
+</file>
+
+<file path=ppt/slides/slide4.xml><?xml version="1.0" encoding="utf-8"?>
+<p:sld xmlns:a="http://schemas.openxmlformats.org/drawingml/2006/main" xmlns:r="http://schemas.openxmlformats.org/officeDocument/2006/relationships" xmlns:p="http://schemas.openxmlformats.org/presentationml/2006/main">
+  <p:cSld>
+    <p:spTree>
+      <p:nvGrpSpPr>
+        <p:cNvPr id="1" name=""/>
+        <p:cNvGrpSpPr/>
+        <p:nvPr/>
+      </p:nvGrpSpPr>
+      <p:grpSpPr>
+        <a:xfrm>
+          <a:off x="0" y="0"/>
+          <a:ext cx="0" cy="0"/>
+          <a:chOff x="0" y="0"/>
+          <a:chExt cx="0" cy="0"/>
+        </a:xfrm>
+      </p:grpSpPr>
+      <p:sp>
+        <p:nvSpPr>
+          <p:cNvPr id="2" name="標題 1">
+            <a:extLst>
+              <a:ext uri="{FF2B5EF4-FFF2-40B4-BE49-F238E27FC236}">
+                <a16:creationId xmlns:a16="http://schemas.microsoft.com/office/drawing/2014/main" id="{48A756CA-3D22-44C4-A510-D235794FDB7C}"/>
+              </a:ext>
+            </a:extLst>
+          </p:cNvPr>
+          <p:cNvSpPr>
+            <a:spLocks noGrp="1"/>
+          </p:cNvSpPr>
+          <p:nvPr>
+            <p:ph type="title"/>
+          </p:nvPr>
+        </p:nvSpPr>
+        <p:spPr/>
+        <p:txBody>
+          <a:bodyPr/>
+          <a:lstStyle/>
+          <a:p>
+            <a:r>
+              <a:rPr lang="zh-TW" altLang="en-US">
+                <a:ln>
+                  <a:solidFill>
+                    <a:prstClr val="black">
+                      <a:lumMod val="75000"/>
+                      <a:lumOff val="25000"/>
+                      <a:alpha val="10000"/>
+                    </a:prstClr>
+                  </a:solidFill>
+                </a:ln>
+                <a:effectLst>
+                  <a:outerShdw blurRad="9525" dist="25400" dir="14640000" algn="tl" rotWithShape="0">
+                    <a:prstClr val="black">
+                      <a:alpha val="30000"/>
+                    </a:prstClr>
+                  </a:outerShdw>
+                </a:effectLst>
+                <a:ea typeface="微軟正黑體"/>
+              </a:rPr>
+              <a:t>分析 -  input : </a:t>
+            </a:r>
+          </a:p>
+        </p:txBody>
+      </p:sp>
+      <p:sp>
+        <p:nvSpPr>
+          <p:cNvPr id="3" name="內容版面配置區 2">
+            <a:extLst>
+              <a:ext uri="{FF2B5EF4-FFF2-40B4-BE49-F238E27FC236}">
+                <a16:creationId xmlns:a16="http://schemas.microsoft.com/office/drawing/2014/main" id="{6D6D6801-3699-4530-8B40-96B38EC96AF5}"/>
+              </a:ext>
+            </a:extLst>
+          </p:cNvPr>
+          <p:cNvSpPr>
+            <a:spLocks noGrp="1"/>
+          </p:cNvSpPr>
+          <p:nvPr>
+            <p:ph idx="1"/>
+          </p:nvPr>
+        </p:nvSpPr>
+        <p:spPr>
+          <a:xfrm>
+            <a:off x="913795" y="1711283"/>
+            <a:ext cx="10353762" cy="4492667"/>
+          </a:xfrm>
+        </p:spPr>
+        <p:txBody>
+          <a:bodyPr>
+            <a:normAutofit lnSpcReduction="10000"/>
+          </a:bodyPr>
+          <a:lstStyle/>
+          <a:p>
+            <a:pPr indent="-305435">
+              <a:spcBef>
+                <a:spcPts val="0"/>
+              </a:spcBef>
+              <a:spcAft>
+                <a:spcPts val="0"/>
+              </a:spcAft>
+            </a:pPr>
+            <a:r>
+              <a:rPr lang="zh-TW">
+                <a:ln>
+                  <a:solidFill>
+                    <a:prstClr val="black">
+                      <a:lumMod val="75000"/>
+                      <a:lumOff val="25000"/>
+                      <a:alpha val="10000"/>
+                    </a:prstClr>
+                  </a:solidFill>
+                </a:ln>
+                <a:effectLst>
+                  <a:outerShdw blurRad="9525" dist="25400" dir="14640000" algn="tl" rotWithShape="0">
+                    <a:prstClr val="black">
+                      <a:alpha val="30000"/>
+                    </a:prstClr>
+                  </a:outerShdw>
+                </a:effectLst>
+                <a:ea typeface="微軟正黑體"/>
+              </a:rPr>
+              <a:t>Block 1 : SVM train</a:t>
+            </a:r>
+            <a:endParaRPr lang="en-US">
+              <a:ln>
+                <a:solidFill>
+                  <a:prstClr val="black">
+                    <a:lumMod val="75000"/>
+                    <a:lumOff val="25000"/>
+                    <a:alpha val="10000"/>
+                  </a:prstClr>
+                </a:solidFill>
+              </a:ln>
+              <a:effectLst>
+                <a:outerShdw blurRad="9525" dist="25400" dir="14640000" algn="tl" rotWithShape="0">
+                  <a:prstClr val="black">
+                    <a:alpha val="30000"/>
+                  </a:prstClr>
+                </a:outerShdw>
+              </a:effectLst>
+              <a:ea typeface="+mn-lt"/>
+              <a:cs typeface="+mn-lt"/>
+            </a:endParaRPr>
+          </a:p>
+          <a:p>
+            <a:pPr marL="719455" lvl="1" indent="-269875">
+              <a:spcBef>
+                <a:spcPts val="0"/>
+              </a:spcBef>
+              <a:spcAft>
+                <a:spcPts val="0"/>
+              </a:spcAft>
+            </a:pPr>
+            <a:r>
+              <a:rPr lang="zh-TW" altLang="en-US">
+                <a:ln>
+                  <a:solidFill>
+                    <a:prstClr val="black">
+                      <a:lumMod val="75000"/>
+                      <a:lumOff val="25000"/>
+                      <a:alpha val="10000"/>
+                    </a:prstClr>
+                  </a:solidFill>
+                </a:ln>
+                <a:effectLst>
+                  <a:outerShdw blurRad="9525" dist="25400" dir="14640000" algn="tl" rotWithShape="0">
+                    <a:prstClr val="black">
+                      <a:alpha val="30000"/>
+                    </a:prstClr>
+                  </a:outerShdw>
+                </a:effectLst>
+                <a:ea typeface="微軟正黑體"/>
+              </a:rPr>
+              <a:t>修正好的Data(pickle檔)</a:t>
+            </a:r>
+            <a:endParaRPr lang="zh-TW" altLang="en-US" dirty="0">
+              <a:ln>
+                <a:solidFill>
+                  <a:prstClr val="black">
+                    <a:lumMod val="75000"/>
+                    <a:lumOff val="25000"/>
+                    <a:alpha val="10000"/>
+                  </a:prstClr>
+                </a:solidFill>
+              </a:ln>
+              <a:effectLst>
+                <a:outerShdw blurRad="9525" dist="25400" dir="14640000" algn="tl" rotWithShape="0">
+                  <a:prstClr val="black">
+                    <a:alpha val="30000"/>
+                  </a:prstClr>
+                </a:outerShdw>
+              </a:effectLst>
+              <a:ea typeface="微軟正黑體"/>
+            </a:endParaRPr>
+          </a:p>
+          <a:p>
+            <a:pPr marL="719455" lvl="1" indent="-269875">
+              <a:spcBef>
+                <a:spcPts val="0"/>
+              </a:spcBef>
+              <a:spcAft>
+                <a:spcPts val="0"/>
+              </a:spcAft>
+            </a:pPr>
+            <a:r>
+              <a:rPr lang="zh-TW" altLang="en-US">
+                <a:ln>
+                  <a:solidFill>
+                    <a:prstClr val="black">
+                      <a:lumMod val="75000"/>
+                      <a:lumOff val="25000"/>
+                      <a:alpha val="10000"/>
+                    </a:prstClr>
+                  </a:solidFill>
+                </a:ln>
+                <a:effectLst>
+                  <a:outerShdw blurRad="9525" dist="25400" dir="14640000" algn="tl" rotWithShape="0">
+                    <a:prstClr val="black">
+                      <a:alpha val="30000"/>
+                    </a:prstClr>
+                  </a:outerShdw>
+                </a:effectLst>
+                <a:ea typeface="微軟正黑體"/>
+              </a:rPr>
+              <a:t>以前的Data(Big data)</a:t>
+            </a:r>
+            <a:endParaRPr lang="zh-TW" altLang="en-US" dirty="0">
+              <a:ln>
+                <a:solidFill>
+                  <a:prstClr val="black">
+                    <a:lumMod val="75000"/>
+                    <a:lumOff val="25000"/>
+                    <a:alpha val="10000"/>
+                  </a:prstClr>
+                </a:solidFill>
+              </a:ln>
+              <a:effectLst>
+                <a:outerShdw blurRad="9525" dist="25400" dir="14640000" algn="tl" rotWithShape="0">
+                  <a:prstClr val="black">
+                    <a:alpha val="30000"/>
+                  </a:prstClr>
+                </a:outerShdw>
+              </a:effectLst>
+              <a:ea typeface="微軟正黑體"/>
+            </a:endParaRPr>
+          </a:p>
+          <a:p>
+            <a:pPr marL="719455" lvl="1" indent="-269875">
+              <a:spcBef>
+                <a:spcPts val="0"/>
+              </a:spcBef>
+              <a:spcAft>
+                <a:spcPts val="0"/>
+              </a:spcAft>
+            </a:pPr>
+            <a:endParaRPr lang="zh-TW" altLang="en-US" dirty="0">
+              <a:ln>
+                <a:solidFill>
+                  <a:prstClr val="black">
+                    <a:lumMod val="75000"/>
+                    <a:lumOff val="25000"/>
+                    <a:alpha val="10000"/>
+                  </a:prstClr>
+                </a:solidFill>
+              </a:ln>
+              <a:effectLst>
+                <a:outerShdw blurRad="9525" dist="25400" dir="14640000" algn="tl" rotWithShape="0">
+                  <a:prstClr val="black">
+                    <a:alpha val="30000"/>
+                  </a:prstClr>
+                </a:outerShdw>
+              </a:effectLst>
+              <a:ea typeface="微軟正黑體"/>
+            </a:endParaRPr>
+          </a:p>
+          <a:p>
+            <a:pPr indent="-305435">
+              <a:spcBef>
+                <a:spcPts val="0"/>
+              </a:spcBef>
+              <a:spcAft>
+                <a:spcPts val="0"/>
+              </a:spcAft>
+            </a:pPr>
+            <a:r>
+              <a:rPr lang="zh-TW">
+                <a:ln>
+                  <a:solidFill>
+                    <a:prstClr val="black">
+                      <a:lumMod val="75000"/>
+                      <a:lumOff val="25000"/>
+                      <a:alpha val="10000"/>
+                    </a:prstClr>
+                  </a:solidFill>
+                </a:ln>
+                <a:effectLst>
+                  <a:outerShdw blurRad="9525" dist="25400" dir="14640000" algn="tl" rotWithShape="0">
+                    <a:prstClr val="black">
+                      <a:alpha val="30000"/>
+                    </a:prstClr>
+                  </a:outerShdw>
+                </a:effectLst>
+                <a:ea typeface="微軟正黑體"/>
+              </a:rPr>
+              <a:t>Block </a:t>
+            </a:r>
+            <a:r>
+              <a:rPr lang="en-US" altLang="zh-TW" dirty="0">
+                <a:ln>
+                  <a:solidFill>
+                    <a:prstClr val="black">
+                      <a:lumMod val="75000"/>
+                      <a:lumOff val="25000"/>
+                      <a:alpha val="10000"/>
+                    </a:prstClr>
+                  </a:solidFill>
+                </a:ln>
+                <a:effectLst>
+                  <a:outerShdw blurRad="9525" dist="25400" dir="14640000" algn="tl" rotWithShape="0">
+                    <a:prstClr val="black">
+                      <a:alpha val="30000"/>
+                    </a:prstClr>
+                  </a:outerShdw>
+                </a:effectLst>
+                <a:ea typeface="+mn-lt"/>
+              </a:rPr>
+              <a:t>2</a:t>
+            </a:r>
+            <a:r>
+              <a:rPr lang="zh-TW">
+                <a:ln>
+                  <a:solidFill>
+                    <a:prstClr val="black">
+                      <a:lumMod val="75000"/>
+                      <a:lumOff val="25000"/>
+                      <a:alpha val="10000"/>
+                    </a:prstClr>
+                  </a:solidFill>
+                </a:ln>
+                <a:effectLst>
+                  <a:outerShdw blurRad="9525" dist="25400" dir="14640000" algn="tl" rotWithShape="0">
+                    <a:prstClr val="black">
+                      <a:alpha val="30000"/>
+                    </a:prstClr>
+                  </a:outerShdw>
+                </a:effectLst>
+                <a:ea typeface="微軟正黑體"/>
+              </a:rPr>
+              <a:t> : SVM </a:t>
+            </a:r>
+            <a:r>
+              <a:rPr lang="en-US" altLang="zh-TW" dirty="0">
+                <a:ln>
+                  <a:solidFill>
+                    <a:prstClr val="black">
+                      <a:lumMod val="75000"/>
+                      <a:lumOff val="25000"/>
+                      <a:alpha val="10000"/>
+                    </a:prstClr>
+                  </a:solidFill>
+                </a:ln>
+                <a:effectLst>
+                  <a:outerShdw blurRad="9525" dist="25400" dir="14640000" algn="tl" rotWithShape="0">
+                    <a:prstClr val="black">
+                      <a:alpha val="30000"/>
+                    </a:prstClr>
+                  </a:outerShdw>
+                </a:effectLst>
+                <a:ea typeface="+mn-lt"/>
+              </a:rPr>
+              <a:t>p</a:t>
+            </a:r>
+            <a:r>
+              <a:rPr lang="zh-TW">
+                <a:ln>
+                  <a:solidFill>
+                    <a:prstClr val="black">
+                      <a:lumMod val="75000"/>
+                      <a:lumOff val="25000"/>
+                      <a:alpha val="10000"/>
+                    </a:prstClr>
+                  </a:solidFill>
+                </a:ln>
+                <a:effectLst>
+                  <a:outerShdw blurRad="9525" dist="25400" dir="14640000" algn="tl" rotWithShape="0">
+                    <a:prstClr val="black">
+                      <a:alpha val="30000"/>
+                    </a:prstClr>
+                  </a:outerShdw>
+                </a:effectLst>
+                <a:ea typeface="微軟正黑體"/>
+              </a:rPr>
+              <a:t>r</a:t>
+            </a:r>
+            <a:r>
+              <a:rPr lang="en-US" altLang="zh-TW" dirty="0">
+                <a:ln>
+                  <a:solidFill>
+                    <a:prstClr val="black">
+                      <a:lumMod val="75000"/>
+                      <a:lumOff val="25000"/>
+                      <a:alpha val="10000"/>
+                    </a:prstClr>
+                  </a:solidFill>
+                </a:ln>
+                <a:effectLst>
+                  <a:outerShdw blurRad="9525" dist="25400" dir="14640000" algn="tl" rotWithShape="0">
+                    <a:prstClr val="black">
+                      <a:alpha val="30000"/>
+                    </a:prstClr>
+                  </a:outerShdw>
+                </a:effectLst>
+                <a:ea typeface="+mn-lt"/>
+              </a:rPr>
+              <a:t>edict</a:t>
+            </a:r>
+            <a:endParaRPr lang="zh-TW" dirty="0">
+              <a:ln>
+                <a:solidFill>
+                  <a:prstClr val="black">
+                    <a:lumMod val="75000"/>
+                    <a:lumOff val="25000"/>
+                    <a:alpha val="10000"/>
+                  </a:prstClr>
+                </a:solidFill>
+              </a:ln>
+              <a:effectLst>
+                <a:outerShdw blurRad="9525" dist="25400" dir="14640000" algn="tl" rotWithShape="0">
+                  <a:prstClr val="black">
+                    <a:alpha val="30000"/>
+                  </a:prstClr>
+                </a:outerShdw>
+              </a:effectLst>
+              <a:ea typeface="+mn-lt"/>
+              <a:cs typeface="+mn-lt"/>
+            </a:endParaRPr>
+          </a:p>
+          <a:p>
+            <a:pPr marL="719455" lvl="1" indent="-269875">
+              <a:spcBef>
+                <a:spcPts val="0"/>
+              </a:spcBef>
+              <a:spcAft>
+                <a:spcPts val="0"/>
+              </a:spcAft>
+            </a:pPr>
+            <a:r>
+              <a:rPr lang="en-US" altLang="zh-TW" dirty="0" err="1">
+                <a:ln>
+                  <a:solidFill>
+                    <a:prstClr val="black">
+                      <a:lumMod val="75000"/>
+                      <a:lumOff val="25000"/>
+                      <a:alpha val="10000"/>
+                    </a:prstClr>
+                  </a:solidFill>
+                </a:ln>
+                <a:effectLst>
+                  <a:outerShdw blurRad="9525" dist="25400" dir="14640000" algn="tl" rotWithShape="0">
+                    <a:prstClr val="black">
+                      <a:alpha val="30000"/>
+                    </a:prstClr>
+                  </a:outerShdw>
+                </a:effectLst>
+                <a:ea typeface="微軟正黑體"/>
+              </a:rPr>
+              <a:t>新系統的</a:t>
+            </a:r>
+            <a:r>
+              <a:rPr lang="en-US" altLang="zh-TW" dirty="0">
+                <a:ln>
+                  <a:solidFill>
+                    <a:prstClr val="black">
+                      <a:lumMod val="75000"/>
+                      <a:lumOff val="25000"/>
+                      <a:alpha val="10000"/>
+                    </a:prstClr>
+                  </a:solidFill>
+                </a:ln>
+                <a:effectLst>
+                  <a:outerShdw blurRad="9525" dist="25400" dir="14640000" algn="tl" rotWithShape="0">
+                    <a:prstClr val="black">
+                      <a:alpha val="30000"/>
+                    </a:prstClr>
+                  </a:outerShdw>
+                </a:effectLst>
+                <a:ea typeface="微軟正黑體"/>
+              </a:rPr>
+              <a:t> model </a:t>
+            </a:r>
+          </a:p>
+          <a:p>
+            <a:pPr marL="719455" lvl="1" indent="-269875">
+              <a:spcBef>
+                <a:spcPts val="0"/>
+              </a:spcBef>
+              <a:spcAft>
+                <a:spcPts val="0"/>
+              </a:spcAft>
+            </a:pPr>
+            <a:r>
+              <a:rPr lang="en-US" altLang="zh-TW" dirty="0">
+                <a:ln>
+                  <a:solidFill>
+                    <a:prstClr val="black">
+                      <a:lumMod val="75000"/>
+                      <a:lumOff val="25000"/>
+                      <a:alpha val="10000"/>
+                    </a:prstClr>
+                  </a:solidFill>
+                </a:ln>
+                <a:effectLst>
+                  <a:outerShdw blurRad="9525" dist="25400" dir="14640000" algn="tl" rotWithShape="0">
+                    <a:prstClr val="black">
+                      <a:alpha val="30000"/>
+                    </a:prstClr>
+                  </a:outerShdw>
+                </a:effectLst>
+                <a:ea typeface="微軟正黑體"/>
+              </a:rPr>
+              <a:t>Big data</a:t>
+            </a:r>
+          </a:p>
+          <a:p>
+            <a:pPr marL="719455" lvl="1" indent="-269875">
+              <a:spcBef>
+                <a:spcPts val="0"/>
+              </a:spcBef>
+              <a:spcAft>
+                <a:spcPts val="0"/>
+              </a:spcAft>
+            </a:pPr>
+            <a:endParaRPr lang="en-US" altLang="zh-TW" dirty="0">
+              <a:ln>
+                <a:solidFill>
+                  <a:prstClr val="black">
+                    <a:lumMod val="75000"/>
+                    <a:lumOff val="25000"/>
+                    <a:alpha val="10000"/>
+                  </a:prstClr>
+                </a:solidFill>
+              </a:ln>
+              <a:effectLst>
+                <a:outerShdw blurRad="9525" dist="25400" dir="14640000" algn="tl" rotWithShape="0">
+                  <a:prstClr val="black">
+                    <a:alpha val="30000"/>
+                  </a:prstClr>
+                </a:outerShdw>
+              </a:effectLst>
+              <a:ea typeface="微軟正黑體"/>
+            </a:endParaRPr>
+          </a:p>
+          <a:p>
+            <a:pPr indent="-305435">
+              <a:spcBef>
+                <a:spcPts val="0"/>
+              </a:spcBef>
+              <a:spcAft>
+                <a:spcPts val="0"/>
+              </a:spcAft>
+            </a:pPr>
+            <a:r>
+              <a:rPr lang="zh-TW">
+                <a:ln>
+                  <a:solidFill>
+                    <a:prstClr val="black">
+                      <a:lumMod val="75000"/>
+                      <a:lumOff val="25000"/>
+                      <a:alpha val="10000"/>
+                    </a:prstClr>
+                  </a:solidFill>
+                </a:ln>
+                <a:effectLst>
+                  <a:outerShdw blurRad="9525" dist="25400" dir="14640000" algn="tl" rotWithShape="0">
+                    <a:prstClr val="black">
+                      <a:alpha val="30000"/>
+                    </a:prstClr>
+                  </a:outerShdw>
+                </a:effectLst>
+                <a:ea typeface="微軟正黑體"/>
+              </a:rPr>
+              <a:t>Block 3 : </a:t>
+            </a:r>
+            <a:r>
+              <a:rPr lang="en-US" altLang="zh-TW" dirty="0">
+                <a:ln>
+                  <a:solidFill>
+                    <a:prstClr val="black">
+                      <a:lumMod val="75000"/>
+                      <a:lumOff val="25000"/>
+                      <a:alpha val="10000"/>
+                    </a:prstClr>
+                  </a:solidFill>
+                </a:ln>
+                <a:effectLst>
+                  <a:outerShdw blurRad="9525" dist="25400" dir="14640000" algn="tl" rotWithShape="0">
+                    <a:prstClr val="black">
+                      <a:alpha val="30000"/>
+                    </a:prstClr>
+                  </a:outerShdw>
+                </a:effectLst>
+                <a:ea typeface="+mn-lt"/>
+              </a:rPr>
+              <a:t>data transform</a:t>
+            </a:r>
+            <a:endParaRPr lang="zh-TW">
+              <a:ln>
+                <a:solidFill>
+                  <a:prstClr val="black">
+                    <a:lumMod val="75000"/>
+                    <a:lumOff val="25000"/>
+                    <a:alpha val="10000"/>
+                  </a:prstClr>
+                </a:solidFill>
+              </a:ln>
+              <a:effectLst>
+                <a:outerShdw blurRad="9525" dist="25400" dir="14640000" algn="tl" rotWithShape="0">
+                  <a:prstClr val="black">
+                    <a:alpha val="30000"/>
+                  </a:prstClr>
+                </a:outerShdw>
+              </a:effectLst>
+              <a:ea typeface="+mn-lt"/>
+            </a:endParaRPr>
+          </a:p>
+          <a:p>
+            <a:pPr marL="719455" lvl="1" indent="-269875">
+              <a:spcBef>
+                <a:spcPts val="0"/>
+              </a:spcBef>
+              <a:spcAft>
+                <a:spcPts val="0"/>
+              </a:spcAft>
+            </a:pPr>
+            <a:r>
+              <a:rPr lang="en-US" altLang="zh-TW" dirty="0" err="1">
+                <a:ln>
+                  <a:solidFill>
+                    <a:prstClr val="black">
+                      <a:lumMod val="75000"/>
+                      <a:lumOff val="25000"/>
+                      <a:alpha val="10000"/>
+                    </a:prstClr>
+                  </a:solidFill>
+                </a:ln>
+                <a:effectLst>
+                  <a:outerShdw blurRad="9525" dist="25400" dir="14640000" algn="tl" rotWithShape="0">
+                    <a:prstClr val="black">
+                      <a:alpha val="30000"/>
+                    </a:prstClr>
+                  </a:outerShdw>
+                </a:effectLst>
+                <a:ea typeface="+mn-lt"/>
+                <a:cs typeface="+mn-lt"/>
+              </a:rPr>
+              <a:t>未修正的Data</a:t>
+            </a:r>
+            <a:r>
+              <a:rPr lang="en-US" altLang="zh-TW" dirty="0">
+                <a:ln>
+                  <a:solidFill>
+                    <a:prstClr val="black">
+                      <a:lumMod val="75000"/>
+                      <a:lumOff val="25000"/>
+                      <a:alpha val="10000"/>
+                    </a:prstClr>
+                  </a:solidFill>
+                </a:ln>
+                <a:effectLst>
+                  <a:outerShdw blurRad="9525" dist="25400" dir="14640000" algn="tl" rotWithShape="0">
+                    <a:prstClr val="black">
+                      <a:alpha val="30000"/>
+                    </a:prstClr>
+                  </a:outerShdw>
+                </a:effectLst>
+                <a:ea typeface="+mn-lt"/>
+                <a:cs typeface="+mn-lt"/>
+              </a:rPr>
+              <a:t> (</a:t>
+            </a:r>
+            <a:r>
+              <a:rPr lang="en-US" altLang="zh-TW" dirty="0" err="1">
+                <a:ln>
+                  <a:solidFill>
+                    <a:prstClr val="black">
+                      <a:lumMod val="75000"/>
+                      <a:lumOff val="25000"/>
+                      <a:alpha val="10000"/>
+                    </a:prstClr>
+                  </a:solidFill>
+                </a:ln>
+                <a:effectLst>
+                  <a:outerShdw blurRad="9525" dist="25400" dir="14640000" algn="tl" rotWithShape="0">
+                    <a:prstClr val="black">
+                      <a:alpha val="30000"/>
+                    </a:prstClr>
+                  </a:outerShdw>
+                </a:effectLst>
+                <a:ea typeface="+mn-lt"/>
+                <a:cs typeface="+mn-lt"/>
+              </a:rPr>
+              <a:t>pickle檔</a:t>
+            </a:r>
+            <a:r>
+              <a:rPr lang="en-US" altLang="zh-TW" dirty="0">
+                <a:ln>
+                  <a:solidFill>
+                    <a:prstClr val="black">
+                      <a:lumMod val="75000"/>
+                      <a:lumOff val="25000"/>
+                      <a:alpha val="10000"/>
+                    </a:prstClr>
+                  </a:solidFill>
+                </a:ln>
+                <a:effectLst>
+                  <a:outerShdw blurRad="9525" dist="25400" dir="14640000" algn="tl" rotWithShape="0">
+                    <a:prstClr val="black">
+                      <a:alpha val="30000"/>
+                    </a:prstClr>
+                  </a:outerShdw>
+                </a:effectLst>
+                <a:ea typeface="+mn-lt"/>
+                <a:cs typeface="+mn-lt"/>
+              </a:rPr>
+              <a:t>)</a:t>
+            </a:r>
+          </a:p>
+          <a:p>
+            <a:pPr marL="719455" lvl="1" indent="-269875">
+              <a:spcBef>
+                <a:spcPts val="0"/>
+              </a:spcBef>
+              <a:spcAft>
+                <a:spcPts val="0"/>
+              </a:spcAft>
+            </a:pPr>
+            <a:endParaRPr lang="en-US" altLang="zh-TW" dirty="0">
+              <a:ln>
+                <a:solidFill>
+                  <a:prstClr val="black">
+                    <a:lumMod val="75000"/>
+                    <a:lumOff val="25000"/>
+                    <a:alpha val="10000"/>
+                  </a:prstClr>
+                </a:solidFill>
+              </a:ln>
+              <a:effectLst>
+                <a:outerShdw blurRad="9525" dist="25400" dir="14640000" algn="tl" rotWithShape="0">
+                  <a:prstClr val="black">
+                    <a:alpha val="30000"/>
+                  </a:prstClr>
+                </a:outerShdw>
+              </a:effectLst>
+              <a:ea typeface="微軟正黑體"/>
+            </a:endParaRPr>
+          </a:p>
+          <a:p>
+            <a:pPr indent="-305435">
+              <a:spcBef>
+                <a:spcPts val="0"/>
+              </a:spcBef>
+              <a:spcAft>
+                <a:spcPts val="0"/>
+              </a:spcAft>
+            </a:pPr>
+            <a:r>
+              <a:rPr lang="zh-TW">
+                <a:ln>
+                  <a:solidFill>
+                    <a:prstClr val="black">
+                      <a:lumMod val="75000"/>
+                      <a:lumOff val="25000"/>
+                      <a:alpha val="10000"/>
+                    </a:prstClr>
+                  </a:solidFill>
+                </a:ln>
+                <a:effectLst>
+                  <a:outerShdw blurRad="9525" dist="25400" dir="14640000" algn="tl" rotWithShape="0">
+                    <a:prstClr val="black">
+                      <a:alpha val="30000"/>
+                    </a:prstClr>
+                  </a:outerShdw>
+                </a:effectLst>
+                <a:ea typeface="微軟正黑體"/>
+              </a:rPr>
+              <a:t>Block </a:t>
+            </a:r>
+            <a:r>
+              <a:rPr lang="en-US" altLang="zh-TW" dirty="0">
+                <a:ln>
+                  <a:solidFill>
+                    <a:prstClr val="black">
+                      <a:lumMod val="75000"/>
+                      <a:lumOff val="25000"/>
+                      <a:alpha val="10000"/>
+                    </a:prstClr>
+                  </a:solidFill>
+                </a:ln>
+                <a:effectLst>
+                  <a:outerShdw blurRad="9525" dist="25400" dir="14640000" algn="tl" rotWithShape="0">
+                    <a:prstClr val="black">
+                      <a:alpha val="30000"/>
+                    </a:prstClr>
+                  </a:outerShdw>
+                </a:effectLst>
+                <a:ea typeface="+mn-lt"/>
+              </a:rPr>
+              <a:t>4</a:t>
+            </a:r>
+            <a:r>
+              <a:rPr lang="zh-TW">
+                <a:ln>
+                  <a:solidFill>
+                    <a:prstClr val="black">
+                      <a:lumMod val="75000"/>
+                      <a:lumOff val="25000"/>
+                      <a:alpha val="10000"/>
+                    </a:prstClr>
+                  </a:solidFill>
+                </a:ln>
+                <a:effectLst>
+                  <a:outerShdw blurRad="9525" dist="25400" dir="14640000" algn="tl" rotWithShape="0">
+                    <a:prstClr val="black">
+                      <a:alpha val="30000"/>
+                    </a:prstClr>
+                  </a:outerShdw>
+                </a:effectLst>
+                <a:ea typeface="微軟正黑體"/>
+              </a:rPr>
+              <a:t> : </a:t>
+            </a:r>
+            <a:r>
+              <a:rPr lang="en-US" altLang="zh-TW" dirty="0">
+                <a:ln>
+                  <a:solidFill>
+                    <a:prstClr val="black">
+                      <a:lumMod val="75000"/>
+                      <a:lumOff val="25000"/>
+                      <a:alpha val="10000"/>
+                    </a:prstClr>
+                  </a:solidFill>
+                </a:ln>
+                <a:effectLst>
+                  <a:outerShdw blurRad="9525" dist="25400" dir="14640000" algn="tl" rotWithShape="0">
+                    <a:prstClr val="black">
+                      <a:alpha val="30000"/>
+                    </a:prstClr>
+                  </a:outerShdw>
+                </a:effectLst>
+                <a:ea typeface="+mn-lt"/>
+              </a:rPr>
+              <a:t>repeat Architecture</a:t>
+            </a:r>
+            <a:endParaRPr lang="zh-TW" dirty="0">
+              <a:ln>
+                <a:solidFill>
+                  <a:prstClr val="black">
+                    <a:lumMod val="75000"/>
+                    <a:lumOff val="25000"/>
+                    <a:alpha val="10000"/>
+                  </a:prstClr>
+                </a:solidFill>
+              </a:ln>
+              <a:effectLst>
+                <a:outerShdw blurRad="9525" dist="25400" dir="14640000" algn="tl" rotWithShape="0">
+                  <a:prstClr val="black">
+                    <a:alpha val="30000"/>
+                  </a:prstClr>
+                </a:outerShdw>
+              </a:effectLst>
+              <a:ea typeface="+mn-lt"/>
+              <a:cs typeface="+mn-lt"/>
+            </a:endParaRPr>
+          </a:p>
+          <a:p>
+            <a:pPr marL="719455" lvl="1" indent="-269875">
+              <a:spcBef>
+                <a:spcPts val="0"/>
+              </a:spcBef>
+              <a:spcAft>
+                <a:spcPts val="0"/>
+              </a:spcAft>
+            </a:pPr>
+            <a:r>
+              <a:rPr lang="en-US" altLang="zh-TW" dirty="0">
+                <a:ln>
+                  <a:solidFill>
+                    <a:prstClr val="black">
+                      <a:lumMod val="75000"/>
+                      <a:lumOff val="25000"/>
+                      <a:alpha val="10000"/>
+                    </a:prstClr>
+                  </a:solidFill>
+                </a:ln>
+                <a:effectLst>
+                  <a:outerShdw blurRad="9525" dist="25400" dir="14640000" algn="tl" rotWithShape="0">
+                    <a:prstClr val="black">
+                      <a:alpha val="30000"/>
+                    </a:prstClr>
+                  </a:outerShdw>
+                </a:effectLst>
+                <a:ea typeface="微軟正黑體"/>
+              </a:rPr>
+              <a:t>CMD star code</a:t>
+            </a:r>
+          </a:p>
+          <a:p>
+            <a:pPr marL="719455" lvl="1" indent="-269875">
+              <a:spcBef>
+                <a:spcPts val="0"/>
+              </a:spcBef>
+              <a:spcAft>
+                <a:spcPts val="0"/>
+              </a:spcAft>
+            </a:pPr>
+            <a:endParaRPr lang="en-US" altLang="zh-TW" dirty="0">
+              <a:ln>
+                <a:solidFill>
+                  <a:prstClr val="black">
+                    <a:lumMod val="75000"/>
+                    <a:lumOff val="25000"/>
+                    <a:alpha val="10000"/>
+                  </a:prstClr>
+                </a:solidFill>
+              </a:ln>
+              <a:effectLst>
+                <a:outerShdw blurRad="9525" dist="25400" dir="14640000" algn="tl" rotWithShape="0">
+                  <a:prstClr val="black">
+                    <a:alpha val="30000"/>
+                  </a:prstClr>
+                </a:outerShdw>
+              </a:effectLst>
+              <a:ea typeface="微軟正黑體"/>
+            </a:endParaRPr>
+          </a:p>
+          <a:p>
+            <a:pPr indent="-305435">
+              <a:spcBef>
+                <a:spcPts val="0"/>
+              </a:spcBef>
+              <a:spcAft>
+                <a:spcPts val="0"/>
+              </a:spcAft>
+            </a:pPr>
+            <a:r>
+              <a:rPr lang="zh-TW">
+                <a:ln>
+                  <a:solidFill>
+                    <a:prstClr val="black">
+                      <a:lumMod val="75000"/>
+                      <a:lumOff val="25000"/>
+                      <a:alpha val="10000"/>
+                    </a:prstClr>
+                  </a:solidFill>
+                </a:ln>
+                <a:effectLst>
+                  <a:outerShdw blurRad="9525" dist="25400" dir="14640000" algn="tl" rotWithShape="0">
+                    <a:prstClr val="black">
+                      <a:alpha val="30000"/>
+                    </a:prstClr>
+                  </a:outerShdw>
+                </a:effectLst>
+                <a:ea typeface="微軟正黑體"/>
+              </a:rPr>
+              <a:t>Block </a:t>
+            </a:r>
+            <a:r>
+              <a:rPr lang="en-US" altLang="zh-TW" dirty="0">
+                <a:ln>
+                  <a:solidFill>
+                    <a:prstClr val="black">
+                      <a:lumMod val="75000"/>
+                      <a:lumOff val="25000"/>
+                      <a:alpha val="10000"/>
+                    </a:prstClr>
+                  </a:solidFill>
+                </a:ln>
+                <a:effectLst>
+                  <a:outerShdw blurRad="9525" dist="25400" dir="14640000" algn="tl" rotWithShape="0">
+                    <a:prstClr val="black">
+                      <a:alpha val="30000"/>
+                    </a:prstClr>
+                  </a:outerShdw>
+                </a:effectLst>
+                <a:ea typeface="+mn-lt"/>
+              </a:rPr>
+              <a:t>5</a:t>
+            </a:r>
+            <a:r>
+              <a:rPr lang="zh-TW">
+                <a:ln>
+                  <a:solidFill>
+                    <a:prstClr val="black">
+                      <a:lumMod val="75000"/>
+                      <a:lumOff val="25000"/>
+                      <a:alpha val="10000"/>
+                    </a:prstClr>
+                  </a:solidFill>
+                </a:ln>
+                <a:effectLst>
+                  <a:outerShdw blurRad="9525" dist="25400" dir="14640000" algn="tl" rotWithShape="0">
+                    <a:prstClr val="black">
+                      <a:alpha val="30000"/>
+                    </a:prstClr>
+                  </a:outerShdw>
+                </a:effectLst>
+                <a:ea typeface="微軟正黑體"/>
+              </a:rPr>
+              <a:t> : </a:t>
+            </a:r>
+            <a:r>
+              <a:rPr lang="en-US" altLang="zh-TW" dirty="0">
+                <a:ln>
+                  <a:solidFill>
+                    <a:prstClr val="black">
+                      <a:lumMod val="75000"/>
+                      <a:lumOff val="25000"/>
+                      <a:alpha val="10000"/>
+                    </a:prstClr>
+                  </a:solidFill>
+                </a:ln>
+                <a:effectLst>
+                  <a:outerShdw blurRad="9525" dist="25400" dir="14640000" algn="tl" rotWithShape="0">
+                    <a:prstClr val="black">
+                      <a:alpha val="30000"/>
+                    </a:prstClr>
+                  </a:outerShdw>
+                </a:effectLst>
+                <a:ea typeface="+mn-lt"/>
+              </a:rPr>
+              <a:t>ping</a:t>
+            </a:r>
+            <a:r>
+              <a:rPr lang="zh-TW" dirty="0">
+                <a:ln>
+                  <a:solidFill>
+                    <a:prstClr val="black">
+                      <a:lumMod val="75000"/>
+                      <a:lumOff val="25000"/>
+                      <a:alpha val="10000"/>
+                    </a:prstClr>
+                  </a:solidFill>
+                </a:ln>
+                <a:effectLst>
+                  <a:outerShdw blurRad="9525" dist="25400" dir="14640000" algn="tl" rotWithShape="0">
+                    <a:prstClr val="black">
+                      <a:alpha val="30000"/>
+                    </a:prstClr>
+                  </a:outerShdw>
+                </a:effectLst>
+                <a:ea typeface="微軟正黑體"/>
+              </a:rPr>
+              <a:t> </a:t>
+            </a:r>
+            <a:r>
+              <a:rPr lang="en-US" altLang="zh-TW" dirty="0">
+                <a:ln>
+                  <a:solidFill>
+                    <a:prstClr val="black">
+                      <a:lumMod val="75000"/>
+                      <a:lumOff val="25000"/>
+                      <a:alpha val="10000"/>
+                    </a:prstClr>
+                  </a:solidFill>
+                </a:ln>
+                <a:effectLst>
+                  <a:outerShdw blurRad="9525" dist="25400" dir="14640000" algn="tl" rotWithShape="0">
+                    <a:prstClr val="black">
+                      <a:alpha val="30000"/>
+                    </a:prstClr>
+                  </a:outerShdw>
+                </a:effectLst>
+                <a:ea typeface="+mn-lt"/>
+              </a:rPr>
+              <a:t>pong play mode</a:t>
+            </a:r>
+          </a:p>
+          <a:p>
+            <a:pPr marL="719455" lvl="1" indent="-269875">
+              <a:spcBef>
+                <a:spcPts val="0"/>
+              </a:spcBef>
+              <a:spcAft>
+                <a:spcPts val="0"/>
+              </a:spcAft>
+            </a:pPr>
+            <a:r>
+              <a:rPr lang="en-US" altLang="zh-TW" dirty="0">
+                <a:ln>
+                  <a:solidFill>
+                    <a:prstClr val="black">
+                      <a:lumMod val="75000"/>
+                      <a:lumOff val="25000"/>
+                      <a:alpha val="10000"/>
+                    </a:prstClr>
+                  </a:solidFill>
+                </a:ln>
+                <a:effectLst>
+                  <a:outerShdw blurRad="9525" dist="25400" dir="14640000" algn="tl" rotWithShape="0">
+                    <a:prstClr val="black">
+                      <a:alpha val="30000"/>
+                    </a:prstClr>
+                  </a:outerShdw>
+                </a:effectLst>
+                <a:ea typeface="微軟正黑體"/>
+              </a:rPr>
+              <a:t>SVM model</a:t>
+            </a:r>
+          </a:p>
+        </p:txBody>
+      </p:sp>
+    </p:spTree>
+    <p:extLst>
+      <p:ext uri="{BB962C8B-B14F-4D97-AF65-F5344CB8AC3E}">
+        <p14:creationId xmlns:p14="http://schemas.microsoft.com/office/powerpoint/2010/main" val="3610998369"/>
+      </p:ext>
+    </p:extLst>
+  </p:cSld>
+  <p:clrMapOvr>
+    <a:masterClrMapping/>
+  </p:clrMapOvr>
+</p:sld>
+</file>
+
+<file path=ppt/slides/slide5.xml><?xml version="1.0" encoding="utf-8"?>
+<p:sld xmlns:a="http://schemas.openxmlformats.org/drawingml/2006/main" xmlns:r="http://schemas.openxmlformats.org/officeDocument/2006/relationships" xmlns:p="http://schemas.openxmlformats.org/presentationml/2006/main">
+  <p:cSld>
+    <p:spTree>
+      <p:nvGrpSpPr>
+        <p:cNvPr id="1" name=""/>
+        <p:cNvGrpSpPr/>
+        <p:nvPr/>
+      </p:nvGrpSpPr>
+      <p:grpSpPr>
+        <a:xfrm>
+          <a:off x="0" y="0"/>
+          <a:ext cx="0" cy="0"/>
+          <a:chOff x="0" y="0"/>
+          <a:chExt cx="0" cy="0"/>
+        </a:xfrm>
+      </p:grpSpPr>
+      <p:sp>
+        <p:nvSpPr>
+          <p:cNvPr id="2" name="標題 1">
+            <a:extLst>
+              <a:ext uri="{FF2B5EF4-FFF2-40B4-BE49-F238E27FC236}">
+                <a16:creationId xmlns:a16="http://schemas.microsoft.com/office/drawing/2014/main" id="{48A756CA-3D22-44C4-A510-D235794FDB7C}"/>
+              </a:ext>
+            </a:extLst>
+          </p:cNvPr>
+          <p:cNvSpPr>
+            <a:spLocks noGrp="1"/>
+          </p:cNvSpPr>
+          <p:nvPr>
+            <p:ph type="title"/>
+          </p:nvPr>
+        </p:nvSpPr>
+        <p:spPr/>
+        <p:txBody>
+          <a:bodyPr/>
+          <a:lstStyle/>
+          <a:p>
+            <a:r>
+              <a:rPr lang="zh-TW" altLang="en-US">
+                <a:ln>
+                  <a:solidFill>
+                    <a:prstClr val="black">
+                      <a:lumMod val="75000"/>
+                      <a:lumOff val="25000"/>
+                      <a:alpha val="10000"/>
+                    </a:prstClr>
+                  </a:solidFill>
+                </a:ln>
+                <a:effectLst>
+                  <a:outerShdw blurRad="9525" dist="25400" dir="14640000" algn="tl" rotWithShape="0">
+                    <a:prstClr val="black">
+                      <a:alpha val="30000"/>
+                    </a:prstClr>
+                  </a:outerShdw>
+                </a:effectLst>
+                <a:ea typeface="微軟正黑體"/>
+              </a:rPr>
+              <a:t>分析 -  output : </a:t>
+            </a:r>
+          </a:p>
+        </p:txBody>
+      </p:sp>
+      <p:sp>
+        <p:nvSpPr>
+          <p:cNvPr id="3" name="內容版面配置區 2">
+            <a:extLst>
+              <a:ext uri="{FF2B5EF4-FFF2-40B4-BE49-F238E27FC236}">
+                <a16:creationId xmlns:a16="http://schemas.microsoft.com/office/drawing/2014/main" id="{6D6D6801-3699-4530-8B40-96B38EC96AF5}"/>
+              </a:ext>
+            </a:extLst>
+          </p:cNvPr>
+          <p:cNvSpPr>
+            <a:spLocks noGrp="1"/>
+          </p:cNvSpPr>
+          <p:nvPr>
+            <p:ph idx="1"/>
+          </p:nvPr>
+        </p:nvSpPr>
+        <p:spPr>
+          <a:xfrm>
+            <a:off x="913795" y="1711283"/>
+            <a:ext cx="10353762" cy="4492667"/>
+          </a:xfrm>
+        </p:spPr>
+        <p:txBody>
+          <a:bodyPr>
+            <a:normAutofit/>
+          </a:bodyPr>
+          <a:lstStyle/>
+          <a:p>
+            <a:pPr indent="-305435">
+              <a:spcBef>
+                <a:spcPts val="0"/>
+              </a:spcBef>
+              <a:spcAft>
+                <a:spcPts val="0"/>
+              </a:spcAft>
+            </a:pPr>
+            <a:r>
+              <a:rPr lang="zh-TW">
+                <a:ln>
+                  <a:solidFill>
+                    <a:prstClr val="black">
+                      <a:lumMod val="75000"/>
+                      <a:lumOff val="25000"/>
+                      <a:alpha val="10000"/>
+                    </a:prstClr>
+                  </a:solidFill>
+                </a:ln>
+                <a:effectLst>
+                  <a:outerShdw blurRad="9525" dist="25400" dir="14640000" algn="tl" rotWithShape="0">
+                    <a:prstClr val="black">
+                      <a:alpha val="30000"/>
+                    </a:prstClr>
+                  </a:outerShdw>
+                </a:effectLst>
+                <a:ea typeface="微軟正黑體"/>
+              </a:rPr>
+              <a:t>Block 1 : SVM train</a:t>
+            </a:r>
+            <a:endParaRPr lang="en-US">
+              <a:ln>
+                <a:solidFill>
+                  <a:prstClr val="black">
+                    <a:lumMod val="75000"/>
+                    <a:lumOff val="25000"/>
+                    <a:alpha val="10000"/>
+                  </a:prstClr>
+                </a:solidFill>
+              </a:ln>
+              <a:effectLst>
+                <a:outerShdw blurRad="9525" dist="25400" dir="14640000" algn="tl" rotWithShape="0">
+                  <a:prstClr val="black">
+                    <a:alpha val="30000"/>
+                  </a:prstClr>
+                </a:outerShdw>
+              </a:effectLst>
+              <a:ea typeface="+mn-lt"/>
+              <a:cs typeface="+mn-lt"/>
+            </a:endParaRPr>
+          </a:p>
+          <a:p>
+            <a:pPr marL="719455" lvl="1" indent="-269875">
+              <a:spcBef>
+                <a:spcPts val="0"/>
+              </a:spcBef>
+              <a:spcAft>
+                <a:spcPts val="0"/>
+              </a:spcAft>
+            </a:pPr>
+            <a:r>
+              <a:rPr lang="zh-TW" altLang="en-US">
+                <a:ln>
+                  <a:solidFill>
+                    <a:prstClr val="black">
+                      <a:lumMod val="75000"/>
+                      <a:lumOff val="25000"/>
+                      <a:alpha val="10000"/>
+                    </a:prstClr>
+                  </a:solidFill>
+                </a:ln>
+                <a:effectLst>
+                  <a:outerShdw blurRad="9525" dist="25400" dir="14640000" algn="tl" rotWithShape="0">
+                    <a:prstClr val="black">
+                      <a:alpha val="30000"/>
+                    </a:prstClr>
+                  </a:outerShdw>
+                </a:effectLst>
+                <a:ea typeface="微軟正黑體"/>
+              </a:rPr>
+              <a:t>SVM model</a:t>
+            </a:r>
+            <a:endParaRPr lang="zh-TW" altLang="en-US" dirty="0">
+              <a:ln>
+                <a:solidFill>
+                  <a:prstClr val="black">
+                    <a:lumMod val="75000"/>
+                    <a:lumOff val="25000"/>
+                    <a:alpha val="10000"/>
+                  </a:prstClr>
+                </a:solidFill>
+              </a:ln>
+              <a:effectLst>
+                <a:outerShdw blurRad="9525" dist="25400" dir="14640000" algn="tl" rotWithShape="0">
+                  <a:prstClr val="black">
+                    <a:alpha val="30000"/>
+                  </a:prstClr>
+                </a:outerShdw>
+              </a:effectLst>
+              <a:ea typeface="微軟正黑體"/>
+            </a:endParaRPr>
+          </a:p>
+          <a:p>
+            <a:pPr marL="719455" lvl="1" indent="-269875">
+              <a:spcBef>
+                <a:spcPts val="0"/>
+              </a:spcBef>
+              <a:spcAft>
+                <a:spcPts val="0"/>
+              </a:spcAft>
+            </a:pPr>
+            <a:endParaRPr lang="zh-TW" altLang="en-US" dirty="0">
+              <a:ln>
+                <a:solidFill>
+                  <a:prstClr val="black">
+                    <a:lumMod val="75000"/>
+                    <a:lumOff val="25000"/>
+                    <a:alpha val="10000"/>
+                  </a:prstClr>
+                </a:solidFill>
+              </a:ln>
+              <a:effectLst>
+                <a:outerShdw blurRad="9525" dist="25400" dir="14640000" algn="tl" rotWithShape="0">
+                  <a:prstClr val="black">
+                    <a:alpha val="30000"/>
+                  </a:prstClr>
+                </a:outerShdw>
+              </a:effectLst>
+              <a:ea typeface="微軟正黑體"/>
+            </a:endParaRPr>
+          </a:p>
+          <a:p>
+            <a:pPr indent="-305435">
+              <a:spcBef>
+                <a:spcPts val="0"/>
+              </a:spcBef>
+              <a:spcAft>
+                <a:spcPts val="0"/>
+              </a:spcAft>
+            </a:pPr>
+            <a:r>
+              <a:rPr lang="zh-TW">
+                <a:ln>
+                  <a:solidFill>
+                    <a:prstClr val="black">
+                      <a:lumMod val="75000"/>
+                      <a:lumOff val="25000"/>
+                      <a:alpha val="10000"/>
+                    </a:prstClr>
+                  </a:solidFill>
+                </a:ln>
+                <a:effectLst>
+                  <a:outerShdw blurRad="9525" dist="25400" dir="14640000" algn="tl" rotWithShape="0">
+                    <a:prstClr val="black">
+                      <a:alpha val="30000"/>
+                    </a:prstClr>
+                  </a:outerShdw>
+                </a:effectLst>
+                <a:ea typeface="微軟正黑體"/>
+              </a:rPr>
+              <a:t>Block </a:t>
+            </a:r>
+            <a:r>
+              <a:rPr lang="en-US" altLang="zh-TW" dirty="0">
+                <a:ln>
+                  <a:solidFill>
+                    <a:prstClr val="black">
+                      <a:lumMod val="75000"/>
+                      <a:lumOff val="25000"/>
+                      <a:alpha val="10000"/>
+                    </a:prstClr>
+                  </a:solidFill>
+                </a:ln>
+                <a:effectLst>
+                  <a:outerShdw blurRad="9525" dist="25400" dir="14640000" algn="tl" rotWithShape="0">
+                    <a:prstClr val="black">
+                      <a:alpha val="30000"/>
+                    </a:prstClr>
+                  </a:outerShdw>
+                </a:effectLst>
+                <a:ea typeface="+mn-lt"/>
+              </a:rPr>
+              <a:t>2</a:t>
+            </a:r>
+            <a:r>
+              <a:rPr lang="zh-TW">
+                <a:ln>
+                  <a:solidFill>
+                    <a:prstClr val="black">
+                      <a:lumMod val="75000"/>
+                      <a:lumOff val="25000"/>
+                      <a:alpha val="10000"/>
+                    </a:prstClr>
+                  </a:solidFill>
+                </a:ln>
+                <a:effectLst>
+                  <a:outerShdw blurRad="9525" dist="25400" dir="14640000" algn="tl" rotWithShape="0">
+                    <a:prstClr val="black">
+                      <a:alpha val="30000"/>
+                    </a:prstClr>
+                  </a:outerShdw>
+                </a:effectLst>
+                <a:ea typeface="微軟正黑體"/>
+              </a:rPr>
+              <a:t> : SVM </a:t>
+            </a:r>
+            <a:r>
+              <a:rPr lang="en-US" altLang="zh-TW" dirty="0">
+                <a:ln>
+                  <a:solidFill>
+                    <a:prstClr val="black">
+                      <a:lumMod val="75000"/>
+                      <a:lumOff val="25000"/>
+                      <a:alpha val="10000"/>
+                    </a:prstClr>
+                  </a:solidFill>
+                </a:ln>
+                <a:effectLst>
+                  <a:outerShdw blurRad="9525" dist="25400" dir="14640000" algn="tl" rotWithShape="0">
+                    <a:prstClr val="black">
+                      <a:alpha val="30000"/>
+                    </a:prstClr>
+                  </a:outerShdw>
+                </a:effectLst>
+                <a:ea typeface="+mn-lt"/>
+              </a:rPr>
+              <a:t>p</a:t>
+            </a:r>
+            <a:r>
+              <a:rPr lang="zh-TW">
+                <a:ln>
+                  <a:solidFill>
+                    <a:prstClr val="black">
+                      <a:lumMod val="75000"/>
+                      <a:lumOff val="25000"/>
+                      <a:alpha val="10000"/>
+                    </a:prstClr>
+                  </a:solidFill>
+                </a:ln>
+                <a:effectLst>
+                  <a:outerShdw blurRad="9525" dist="25400" dir="14640000" algn="tl" rotWithShape="0">
+                    <a:prstClr val="black">
+                      <a:alpha val="30000"/>
+                    </a:prstClr>
+                  </a:outerShdw>
+                </a:effectLst>
+                <a:ea typeface="微軟正黑體"/>
+              </a:rPr>
+              <a:t>r</a:t>
+            </a:r>
+            <a:r>
+              <a:rPr lang="en-US" altLang="zh-TW" dirty="0">
+                <a:ln>
+                  <a:solidFill>
+                    <a:prstClr val="black">
+                      <a:lumMod val="75000"/>
+                      <a:lumOff val="25000"/>
+                      <a:alpha val="10000"/>
+                    </a:prstClr>
+                  </a:solidFill>
+                </a:ln>
+                <a:effectLst>
+                  <a:outerShdw blurRad="9525" dist="25400" dir="14640000" algn="tl" rotWithShape="0">
+                    <a:prstClr val="black">
+                      <a:alpha val="30000"/>
+                    </a:prstClr>
+                  </a:outerShdw>
+                </a:effectLst>
+                <a:ea typeface="+mn-lt"/>
+              </a:rPr>
+              <a:t>edict</a:t>
+            </a:r>
+            <a:endParaRPr lang="zh-TW" dirty="0">
+              <a:ln>
+                <a:solidFill>
+                  <a:prstClr val="black">
+                    <a:lumMod val="75000"/>
+                    <a:lumOff val="25000"/>
+                    <a:alpha val="10000"/>
+                  </a:prstClr>
+                </a:solidFill>
+              </a:ln>
+              <a:effectLst>
+                <a:outerShdw blurRad="9525" dist="25400" dir="14640000" algn="tl" rotWithShape="0">
+                  <a:prstClr val="black">
+                    <a:alpha val="30000"/>
+                  </a:prstClr>
+                </a:outerShdw>
+              </a:effectLst>
+              <a:ea typeface="+mn-lt"/>
+              <a:cs typeface="+mn-lt"/>
+            </a:endParaRPr>
+          </a:p>
+          <a:p>
+            <a:pPr marL="719455" lvl="1" indent="-269875">
+              <a:spcBef>
+                <a:spcPts val="0"/>
+              </a:spcBef>
+              <a:spcAft>
+                <a:spcPts val="0"/>
+              </a:spcAft>
+            </a:pPr>
+            <a:r>
+              <a:rPr lang="zh-TW" altLang="en-US" sz="2000">
+                <a:ln>
+                  <a:solidFill>
+                    <a:prstClr val="black">
+                      <a:lumMod val="75000"/>
+                      <a:lumOff val="25000"/>
+                      <a:alpha val="10000"/>
+                    </a:prstClr>
+                  </a:solidFill>
+                </a:ln>
+                <a:effectLst>
+                  <a:outerShdw blurRad="9525" dist="25400" dir="14640000" algn="tl" rotWithShape="0">
+                    <a:prstClr val="black">
+                      <a:alpha val="30000"/>
+                    </a:prstClr>
+                  </a:outerShdw>
+                </a:effectLst>
+                <a:ea typeface="微軟正黑體"/>
+              </a:rPr>
+              <a:t>Inside test 辨識錯的 Data</a:t>
+            </a:r>
+            <a:endParaRPr lang="zh-TW" altLang="en-US" sz="2000" dirty="0">
+              <a:ln>
+                <a:solidFill>
+                  <a:prstClr val="black">
+                    <a:lumMod val="75000"/>
+                    <a:lumOff val="25000"/>
+                    <a:alpha val="10000"/>
+                  </a:prstClr>
+                </a:solidFill>
+              </a:ln>
+              <a:effectLst>
+                <a:outerShdw blurRad="9525" dist="25400" dir="14640000" algn="tl" rotWithShape="0">
+                  <a:prstClr val="black">
+                    <a:alpha val="30000"/>
+                  </a:prstClr>
+                </a:outerShdw>
+              </a:effectLst>
+              <a:ea typeface="微軟正黑體"/>
+            </a:endParaRPr>
+          </a:p>
+          <a:p>
+            <a:pPr marL="719455" lvl="1" indent="-269875">
+              <a:spcBef>
+                <a:spcPts val="0"/>
+              </a:spcBef>
+              <a:spcAft>
+                <a:spcPts val="0"/>
+              </a:spcAft>
+            </a:pPr>
+            <a:r>
+              <a:rPr lang="zh-TW" sz="2000">
+                <a:ln>
+                  <a:solidFill>
+                    <a:prstClr val="black">
+                      <a:lumMod val="75000"/>
+                      <a:lumOff val="25000"/>
+                      <a:alpha val="10000"/>
+                    </a:prstClr>
+                  </a:solidFill>
+                </a:ln>
+                <a:effectLst>
+                  <a:outerShdw blurRad="9525" dist="25400" dir="14640000" algn="tl" rotWithShape="0">
+                    <a:prstClr val="black">
+                      <a:alpha val="30000"/>
+                    </a:prstClr>
+                  </a:outerShdw>
+                </a:effectLst>
+                <a:ea typeface="微軟正黑體"/>
+              </a:rPr>
+              <a:t>Inside test 辨識</a:t>
+            </a:r>
+            <a:r>
+              <a:rPr lang="zh-TW" altLang="en-US" sz="2000">
+                <a:ln>
+                  <a:solidFill>
+                    <a:prstClr val="black">
+                      <a:lumMod val="75000"/>
+                      <a:lumOff val="25000"/>
+                      <a:alpha val="10000"/>
+                    </a:prstClr>
+                  </a:solidFill>
+                </a:ln>
+                <a:effectLst>
+                  <a:outerShdw blurRad="9525" dist="25400" dir="14640000" algn="tl" rotWithShape="0">
+                    <a:prstClr val="black">
+                      <a:alpha val="30000"/>
+                    </a:prstClr>
+                  </a:outerShdw>
+                </a:effectLst>
+                <a:ea typeface="微軟正黑體"/>
+              </a:rPr>
+              <a:t>對</a:t>
+            </a:r>
+            <a:r>
+              <a:rPr lang="zh-TW" sz="2000">
+                <a:ln>
+                  <a:solidFill>
+                    <a:prstClr val="black">
+                      <a:lumMod val="75000"/>
+                      <a:lumOff val="25000"/>
+                      <a:alpha val="10000"/>
+                    </a:prstClr>
+                  </a:solidFill>
+                </a:ln>
+                <a:effectLst>
+                  <a:outerShdw blurRad="9525" dist="25400" dir="14640000" algn="tl" rotWithShape="0">
+                    <a:prstClr val="black">
+                      <a:alpha val="30000"/>
+                    </a:prstClr>
+                  </a:outerShdw>
+                </a:effectLst>
+                <a:ea typeface="微軟正黑體"/>
+              </a:rPr>
+              <a:t>的 Data</a:t>
+            </a:r>
+            <a:endParaRPr lang="zh-TW" sz="2000">
+              <a:ln>
+                <a:solidFill>
+                  <a:prstClr val="black">
+                    <a:lumMod val="75000"/>
+                    <a:lumOff val="25000"/>
+                    <a:alpha val="10000"/>
+                  </a:prstClr>
+                </a:solidFill>
+              </a:ln>
+              <a:effectLst>
+                <a:outerShdw blurRad="9525" dist="25400" dir="14640000" algn="tl" rotWithShape="0">
+                  <a:prstClr val="black">
+                    <a:alpha val="30000"/>
+                  </a:prstClr>
+                </a:outerShdw>
+              </a:effectLst>
+              <a:ea typeface="+mn-lt"/>
+              <a:cs typeface="+mn-lt"/>
+            </a:endParaRPr>
+          </a:p>
+          <a:p>
+            <a:pPr marL="719455" lvl="1" indent="-269875">
+              <a:spcBef>
+                <a:spcPts val="0"/>
+              </a:spcBef>
+              <a:spcAft>
+                <a:spcPts val="0"/>
+              </a:spcAft>
+            </a:pPr>
+            <a:endParaRPr lang="en-US" altLang="zh-TW" dirty="0">
+              <a:ln>
+                <a:solidFill>
+                  <a:prstClr val="black">
+                    <a:lumMod val="75000"/>
+                    <a:lumOff val="25000"/>
+                    <a:alpha val="10000"/>
+                  </a:prstClr>
+                </a:solidFill>
+              </a:ln>
+              <a:effectLst>
+                <a:outerShdw blurRad="9525" dist="25400" dir="14640000" algn="tl" rotWithShape="0">
+                  <a:prstClr val="black">
+                    <a:alpha val="30000"/>
+                  </a:prstClr>
+                </a:outerShdw>
+              </a:effectLst>
+              <a:ea typeface="微軟正黑體"/>
+            </a:endParaRPr>
+          </a:p>
+          <a:p>
+            <a:pPr indent="-305435">
+              <a:spcBef>
+                <a:spcPts val="0"/>
+              </a:spcBef>
+              <a:spcAft>
+                <a:spcPts val="0"/>
+              </a:spcAft>
+            </a:pPr>
+            <a:r>
+              <a:rPr lang="zh-TW">
+                <a:ln>
+                  <a:solidFill>
+                    <a:prstClr val="black">
+                      <a:lumMod val="75000"/>
+                      <a:lumOff val="25000"/>
+                      <a:alpha val="10000"/>
+                    </a:prstClr>
+                  </a:solidFill>
+                </a:ln>
+                <a:effectLst>
+                  <a:outerShdw blurRad="9525" dist="25400" dir="14640000" algn="tl" rotWithShape="0">
+                    <a:prstClr val="black">
+                      <a:alpha val="30000"/>
+                    </a:prstClr>
+                  </a:outerShdw>
+                </a:effectLst>
+                <a:ea typeface="微軟正黑體"/>
+              </a:rPr>
+              <a:t>Block 3 : </a:t>
+            </a:r>
+            <a:r>
+              <a:rPr lang="en-US" altLang="zh-TW" dirty="0">
+                <a:ln>
+                  <a:solidFill>
+                    <a:prstClr val="black">
+                      <a:lumMod val="75000"/>
+                      <a:lumOff val="25000"/>
+                      <a:alpha val="10000"/>
+                    </a:prstClr>
+                  </a:solidFill>
+                </a:ln>
+                <a:effectLst>
+                  <a:outerShdw blurRad="9525" dist="25400" dir="14640000" algn="tl" rotWithShape="0">
+                    <a:prstClr val="black">
+                      <a:alpha val="30000"/>
+                    </a:prstClr>
+                  </a:outerShdw>
+                </a:effectLst>
+                <a:ea typeface="+mn-lt"/>
+              </a:rPr>
+              <a:t>data transform</a:t>
+            </a:r>
+            <a:endParaRPr lang="zh-TW">
+              <a:ln>
+                <a:solidFill>
+                  <a:prstClr val="black">
+                    <a:lumMod val="75000"/>
+                    <a:lumOff val="25000"/>
+                    <a:alpha val="10000"/>
+                  </a:prstClr>
+                </a:solidFill>
+              </a:ln>
+              <a:effectLst>
+                <a:outerShdw blurRad="9525" dist="25400" dir="14640000" algn="tl" rotWithShape="0">
+                  <a:prstClr val="black">
+                    <a:alpha val="30000"/>
+                  </a:prstClr>
+                </a:outerShdw>
+              </a:effectLst>
+              <a:ea typeface="+mn-lt"/>
+            </a:endParaRPr>
+          </a:p>
+          <a:p>
+            <a:pPr marL="719455" lvl="1" indent="-269875">
+              <a:spcBef>
+                <a:spcPts val="0"/>
+              </a:spcBef>
+              <a:spcAft>
+                <a:spcPts val="0"/>
+              </a:spcAft>
+            </a:pPr>
+            <a:r>
+              <a:rPr lang="en-US" altLang="zh-TW" dirty="0" err="1">
+                <a:ln>
+                  <a:solidFill>
+                    <a:prstClr val="black">
+                      <a:lumMod val="75000"/>
+                      <a:lumOff val="25000"/>
+                      <a:alpha val="10000"/>
+                    </a:prstClr>
+                  </a:solidFill>
+                </a:ln>
+                <a:effectLst>
+                  <a:outerShdw blurRad="9525" dist="25400" dir="14640000" algn="tl" rotWithShape="0">
+                    <a:prstClr val="black">
+                      <a:alpha val="30000"/>
+                    </a:prstClr>
+                  </a:outerShdw>
+                </a:effectLst>
+                <a:ea typeface="+mn-lt"/>
+                <a:cs typeface="+mn-lt"/>
+              </a:rPr>
+              <a:t>修正好的Data</a:t>
+            </a:r>
+            <a:r>
+              <a:rPr lang="en-US" altLang="zh-TW" dirty="0">
+                <a:ln>
+                  <a:solidFill>
+                    <a:prstClr val="black">
+                      <a:lumMod val="75000"/>
+                      <a:lumOff val="25000"/>
+                      <a:alpha val="10000"/>
+                    </a:prstClr>
+                  </a:solidFill>
+                </a:ln>
+                <a:effectLst>
+                  <a:outerShdw blurRad="9525" dist="25400" dir="14640000" algn="tl" rotWithShape="0">
+                    <a:prstClr val="black">
+                      <a:alpha val="30000"/>
+                    </a:prstClr>
+                  </a:outerShdw>
+                </a:effectLst>
+                <a:ea typeface="+mn-lt"/>
+                <a:cs typeface="+mn-lt"/>
+              </a:rPr>
+              <a:t> (</a:t>
+            </a:r>
+            <a:r>
+              <a:rPr lang="en-US" altLang="zh-TW" dirty="0" err="1">
+                <a:ln>
+                  <a:solidFill>
+                    <a:prstClr val="black">
+                      <a:lumMod val="75000"/>
+                      <a:lumOff val="25000"/>
+                      <a:alpha val="10000"/>
+                    </a:prstClr>
+                  </a:solidFill>
+                </a:ln>
+                <a:effectLst>
+                  <a:outerShdw blurRad="9525" dist="25400" dir="14640000" algn="tl" rotWithShape="0">
+                    <a:prstClr val="black">
+                      <a:alpha val="30000"/>
+                    </a:prstClr>
+                  </a:outerShdw>
+                </a:effectLst>
+                <a:ea typeface="+mn-lt"/>
+                <a:cs typeface="+mn-lt"/>
+              </a:rPr>
+              <a:t>pickle檔</a:t>
+            </a:r>
+            <a:r>
+              <a:rPr lang="en-US" altLang="zh-TW" dirty="0">
+                <a:ln>
+                  <a:solidFill>
+                    <a:prstClr val="black">
+                      <a:lumMod val="75000"/>
+                      <a:lumOff val="25000"/>
+                      <a:alpha val="10000"/>
+                    </a:prstClr>
+                  </a:solidFill>
+                </a:ln>
+                <a:effectLst>
+                  <a:outerShdw blurRad="9525" dist="25400" dir="14640000" algn="tl" rotWithShape="0">
+                    <a:prstClr val="black">
+                      <a:alpha val="30000"/>
+                    </a:prstClr>
+                  </a:outerShdw>
+                </a:effectLst>
+                <a:ea typeface="+mn-lt"/>
+                <a:cs typeface="+mn-lt"/>
+              </a:rPr>
+              <a:t>)</a:t>
+            </a:r>
+          </a:p>
+          <a:p>
+            <a:pPr marL="719455" lvl="1" indent="-269875">
+              <a:spcBef>
+                <a:spcPts val="0"/>
+              </a:spcBef>
+              <a:spcAft>
+                <a:spcPts val="0"/>
+              </a:spcAft>
+            </a:pPr>
+            <a:endParaRPr lang="en-US" altLang="zh-TW" dirty="0">
+              <a:ln>
+                <a:solidFill>
+                  <a:prstClr val="black">
+                    <a:lumMod val="75000"/>
+                    <a:lumOff val="25000"/>
+                    <a:alpha val="10000"/>
+                  </a:prstClr>
+                </a:solidFill>
+              </a:ln>
+              <a:effectLst>
+                <a:outerShdw blurRad="9525" dist="25400" dir="14640000" algn="tl" rotWithShape="0">
+                  <a:prstClr val="black">
+                    <a:alpha val="30000"/>
+                  </a:prstClr>
+                </a:outerShdw>
+              </a:effectLst>
+              <a:ea typeface="微軟正黑體"/>
+            </a:endParaRPr>
+          </a:p>
+          <a:p>
+            <a:pPr indent="-305435">
+              <a:spcBef>
+                <a:spcPts val="0"/>
+              </a:spcBef>
+              <a:spcAft>
+                <a:spcPts val="0"/>
+              </a:spcAft>
+            </a:pPr>
+            <a:r>
+              <a:rPr lang="zh-TW">
+                <a:ln>
+                  <a:solidFill>
+                    <a:prstClr val="black">
+                      <a:lumMod val="75000"/>
+                      <a:lumOff val="25000"/>
+                      <a:alpha val="10000"/>
+                    </a:prstClr>
+                  </a:solidFill>
+                </a:ln>
+                <a:effectLst>
+                  <a:outerShdw blurRad="9525" dist="25400" dir="14640000" algn="tl" rotWithShape="0">
+                    <a:prstClr val="black">
+                      <a:alpha val="30000"/>
+                    </a:prstClr>
+                  </a:outerShdw>
+                </a:effectLst>
+                <a:ea typeface="微軟正黑體"/>
+              </a:rPr>
+              <a:t>Block </a:t>
+            </a:r>
+            <a:r>
+              <a:rPr lang="en-US" altLang="zh-TW" dirty="0">
+                <a:ln>
+                  <a:solidFill>
+                    <a:prstClr val="black">
+                      <a:lumMod val="75000"/>
+                      <a:lumOff val="25000"/>
+                      <a:alpha val="10000"/>
+                    </a:prstClr>
+                  </a:solidFill>
+                </a:ln>
+                <a:effectLst>
+                  <a:outerShdw blurRad="9525" dist="25400" dir="14640000" algn="tl" rotWithShape="0">
+                    <a:prstClr val="black">
+                      <a:alpha val="30000"/>
+                    </a:prstClr>
+                  </a:outerShdw>
+                </a:effectLst>
+                <a:ea typeface="+mn-lt"/>
+              </a:rPr>
+              <a:t>4</a:t>
+            </a:r>
+            <a:r>
+              <a:rPr lang="zh-TW">
+                <a:ln>
+                  <a:solidFill>
+                    <a:prstClr val="black">
+                      <a:lumMod val="75000"/>
+                      <a:lumOff val="25000"/>
+                      <a:alpha val="10000"/>
+                    </a:prstClr>
+                  </a:solidFill>
+                </a:ln>
+                <a:effectLst>
+                  <a:outerShdw blurRad="9525" dist="25400" dir="14640000" algn="tl" rotWithShape="0">
+                    <a:prstClr val="black">
+                      <a:alpha val="30000"/>
+                    </a:prstClr>
+                  </a:outerShdw>
+                </a:effectLst>
+                <a:ea typeface="微軟正黑體"/>
+              </a:rPr>
+              <a:t> : </a:t>
+            </a:r>
+            <a:r>
+              <a:rPr lang="en-US" altLang="zh-TW" dirty="0">
+                <a:ln>
+                  <a:solidFill>
+                    <a:prstClr val="black">
+                      <a:lumMod val="75000"/>
+                      <a:lumOff val="25000"/>
+                      <a:alpha val="10000"/>
+                    </a:prstClr>
+                  </a:solidFill>
+                </a:ln>
+                <a:effectLst>
+                  <a:outerShdw blurRad="9525" dist="25400" dir="14640000" algn="tl" rotWithShape="0">
+                    <a:prstClr val="black">
+                      <a:alpha val="30000"/>
+                    </a:prstClr>
+                  </a:outerShdw>
+                </a:effectLst>
+                <a:ea typeface="+mn-lt"/>
+              </a:rPr>
+              <a:t>repeat Architecture</a:t>
+            </a:r>
+            <a:endParaRPr lang="zh-TW" dirty="0">
+              <a:ln>
+                <a:solidFill>
+                  <a:prstClr val="black">
+                    <a:lumMod val="75000"/>
+                    <a:lumOff val="25000"/>
+                    <a:alpha val="10000"/>
+                  </a:prstClr>
+                </a:solidFill>
+              </a:ln>
+              <a:effectLst>
+                <a:outerShdw blurRad="9525" dist="25400" dir="14640000" algn="tl" rotWithShape="0">
+                  <a:prstClr val="black">
+                    <a:alpha val="30000"/>
+                  </a:prstClr>
+                </a:outerShdw>
+              </a:effectLst>
+              <a:ea typeface="+mn-lt"/>
+              <a:cs typeface="+mn-lt"/>
+            </a:endParaRPr>
+          </a:p>
+          <a:p>
+            <a:pPr marL="719455" lvl="1" indent="-269875">
+              <a:spcBef>
+                <a:spcPts val="0"/>
+              </a:spcBef>
+              <a:spcAft>
+                <a:spcPts val="0"/>
+              </a:spcAft>
+            </a:pPr>
+            <a:r>
+              <a:rPr lang="en-US" altLang="zh-TW" dirty="0">
+                <a:ln>
+                  <a:solidFill>
+                    <a:prstClr val="black">
+                      <a:lumMod val="75000"/>
+                      <a:lumOff val="25000"/>
+                      <a:alpha val="10000"/>
+                    </a:prstClr>
+                  </a:solidFill>
+                </a:ln>
+                <a:effectLst>
+                  <a:outerShdw blurRad="9525" dist="25400" dir="14640000" algn="tl" rotWithShape="0">
+                    <a:prstClr val="black">
+                      <a:alpha val="30000"/>
+                    </a:prstClr>
+                  </a:outerShdw>
+                </a:effectLst>
+                <a:ea typeface="微軟正黑體"/>
+              </a:rPr>
+              <a:t>The  Final Model</a:t>
+            </a:r>
+          </a:p>
+          <a:p>
+            <a:pPr marL="719455" lvl="1" indent="-269875">
+              <a:spcBef>
+                <a:spcPts val="0"/>
+              </a:spcBef>
+              <a:spcAft>
+                <a:spcPts val="0"/>
+              </a:spcAft>
+            </a:pPr>
+            <a:endParaRPr lang="en-US" altLang="zh-TW" dirty="0">
+              <a:ln>
+                <a:solidFill>
+                  <a:prstClr val="black">
+                    <a:lumMod val="75000"/>
+                    <a:lumOff val="25000"/>
+                    <a:alpha val="10000"/>
+                  </a:prstClr>
+                </a:solidFill>
+              </a:ln>
+              <a:effectLst>
+                <a:outerShdw blurRad="9525" dist="25400" dir="14640000" algn="tl" rotWithShape="0">
+                  <a:prstClr val="black">
+                    <a:alpha val="30000"/>
+                  </a:prstClr>
+                </a:outerShdw>
+              </a:effectLst>
+              <a:ea typeface="微軟正黑體"/>
+            </a:endParaRPr>
+          </a:p>
+          <a:p>
+            <a:pPr indent="-305435">
+              <a:spcBef>
+                <a:spcPts val="0"/>
+              </a:spcBef>
+              <a:spcAft>
+                <a:spcPts val="0"/>
+              </a:spcAft>
+            </a:pPr>
+            <a:r>
+              <a:rPr lang="zh-TW">
+                <a:ln>
+                  <a:solidFill>
+                    <a:prstClr val="black">
+                      <a:lumMod val="75000"/>
+                      <a:lumOff val="25000"/>
+                      <a:alpha val="10000"/>
+                    </a:prstClr>
+                  </a:solidFill>
+                </a:ln>
+                <a:effectLst>
+                  <a:outerShdw blurRad="9525" dist="25400" dir="14640000" algn="tl" rotWithShape="0">
+                    <a:prstClr val="black">
+                      <a:alpha val="30000"/>
+                    </a:prstClr>
+                  </a:outerShdw>
+                </a:effectLst>
+                <a:ea typeface="微軟正黑體"/>
+              </a:rPr>
+              <a:t>Block </a:t>
+            </a:r>
+            <a:r>
+              <a:rPr lang="en-US" altLang="zh-TW" dirty="0">
+                <a:ln>
+                  <a:solidFill>
+                    <a:prstClr val="black">
+                      <a:lumMod val="75000"/>
+                      <a:lumOff val="25000"/>
+                      <a:alpha val="10000"/>
+                    </a:prstClr>
+                  </a:solidFill>
+                </a:ln>
+                <a:effectLst>
+                  <a:outerShdw blurRad="9525" dist="25400" dir="14640000" algn="tl" rotWithShape="0">
+                    <a:prstClr val="black">
+                      <a:alpha val="30000"/>
+                    </a:prstClr>
+                  </a:outerShdw>
+                </a:effectLst>
+                <a:ea typeface="+mn-lt"/>
+              </a:rPr>
+              <a:t>5</a:t>
+            </a:r>
+            <a:r>
+              <a:rPr lang="zh-TW">
+                <a:ln>
+                  <a:solidFill>
+                    <a:prstClr val="black">
+                      <a:lumMod val="75000"/>
+                      <a:lumOff val="25000"/>
+                      <a:alpha val="10000"/>
+                    </a:prstClr>
+                  </a:solidFill>
+                </a:ln>
+                <a:effectLst>
+                  <a:outerShdw blurRad="9525" dist="25400" dir="14640000" algn="tl" rotWithShape="0">
+                    <a:prstClr val="black">
+                      <a:alpha val="30000"/>
+                    </a:prstClr>
+                  </a:outerShdw>
+                </a:effectLst>
+                <a:ea typeface="微軟正黑體"/>
+              </a:rPr>
+              <a:t> : </a:t>
+            </a:r>
+            <a:r>
+              <a:rPr lang="en-US" altLang="zh-TW" dirty="0">
+                <a:ln>
+                  <a:solidFill>
+                    <a:prstClr val="black">
+                      <a:lumMod val="75000"/>
+                      <a:lumOff val="25000"/>
+                      <a:alpha val="10000"/>
+                    </a:prstClr>
+                  </a:solidFill>
+                </a:ln>
+                <a:effectLst>
+                  <a:outerShdw blurRad="9525" dist="25400" dir="14640000" algn="tl" rotWithShape="0">
+                    <a:prstClr val="black">
+                      <a:alpha val="30000"/>
+                    </a:prstClr>
+                  </a:outerShdw>
+                </a:effectLst>
+                <a:ea typeface="+mn-lt"/>
+              </a:rPr>
+              <a:t>ping</a:t>
+            </a:r>
+            <a:r>
+              <a:rPr lang="zh-TW" dirty="0">
+                <a:ln>
+                  <a:solidFill>
+                    <a:prstClr val="black">
+                      <a:lumMod val="75000"/>
+                      <a:lumOff val="25000"/>
+                      <a:alpha val="10000"/>
+                    </a:prstClr>
+                  </a:solidFill>
+                </a:ln>
+                <a:effectLst>
+                  <a:outerShdw blurRad="9525" dist="25400" dir="14640000" algn="tl" rotWithShape="0">
+                    <a:prstClr val="black">
+                      <a:alpha val="30000"/>
+                    </a:prstClr>
+                  </a:outerShdw>
+                </a:effectLst>
+                <a:ea typeface="微軟正黑體"/>
+              </a:rPr>
+              <a:t> </a:t>
+            </a:r>
+            <a:r>
+              <a:rPr lang="en-US" altLang="zh-TW" dirty="0">
+                <a:ln>
+                  <a:solidFill>
+                    <a:prstClr val="black">
+                      <a:lumMod val="75000"/>
+                      <a:lumOff val="25000"/>
+                      <a:alpha val="10000"/>
+                    </a:prstClr>
+                  </a:solidFill>
+                </a:ln>
+                <a:effectLst>
+                  <a:outerShdw blurRad="9525" dist="25400" dir="14640000" algn="tl" rotWithShape="0">
+                    <a:prstClr val="black">
+                      <a:alpha val="30000"/>
+                    </a:prstClr>
+                  </a:outerShdw>
+                </a:effectLst>
+                <a:ea typeface="+mn-lt"/>
+              </a:rPr>
+              <a:t>pong play mode</a:t>
+            </a:r>
+          </a:p>
+          <a:p>
+            <a:pPr marL="719455" lvl="1" indent="-269875">
+              <a:spcBef>
+                <a:spcPts val="0"/>
+              </a:spcBef>
+              <a:spcAft>
+                <a:spcPts val="0"/>
+              </a:spcAft>
+            </a:pPr>
+            <a:r>
+              <a:rPr lang="en-US" altLang="zh-TW" dirty="0">
+                <a:ln>
+                  <a:solidFill>
+                    <a:prstClr val="black">
+                      <a:lumMod val="75000"/>
+                      <a:lumOff val="25000"/>
+                      <a:alpha val="10000"/>
+                    </a:prstClr>
+                  </a:solidFill>
+                </a:ln>
+                <a:effectLst>
+                  <a:outerShdw blurRad="9525" dist="25400" dir="14640000" algn="tl" rotWithShape="0">
+                    <a:prstClr val="black">
+                      <a:alpha val="30000"/>
+                    </a:prstClr>
+                  </a:outerShdw>
+                </a:effectLst>
+                <a:ea typeface="微軟正黑體"/>
+              </a:rPr>
+              <a:t>Plat Label</a:t>
+            </a:r>
+          </a:p>
+        </p:txBody>
+      </p:sp>
+    </p:spTree>
+    <p:extLst>
+      <p:ext uri="{BB962C8B-B14F-4D97-AF65-F5344CB8AC3E}">
+        <p14:creationId xmlns:p14="http://schemas.microsoft.com/office/powerpoint/2010/main" val="297571984"/>
+      </p:ext>
+    </p:extLst>
+  </p:cSld>
+  <p:clrMapOvr>
+    <a:masterClrMapping/>
+  </p:clrMapOvr>
+</p:sld>
+</file>
+
+<file path=ppt/slides/slide6.xml><?xml version="1.0" encoding="utf-8"?>
+<p:sld xmlns:a="http://schemas.openxmlformats.org/drawingml/2006/main" xmlns:r="http://schemas.openxmlformats.org/officeDocument/2006/relationships" xmlns:p="http://schemas.openxmlformats.org/presentationml/2006/main">
+  <p:cSld>
+    <p:spTree>
+      <p:nvGrpSpPr>
+        <p:cNvPr id="1" name=""/>
+        <p:cNvGrpSpPr/>
+        <p:nvPr/>
+      </p:nvGrpSpPr>
+      <p:grpSpPr>
+        <a:xfrm>
+          <a:off x="0" y="0"/>
+          <a:ext cx="0" cy="0"/>
+          <a:chOff x="0" y="0"/>
+          <a:chExt cx="0" cy="0"/>
+        </a:xfrm>
+      </p:grpSpPr>
+      <p:sp>
+        <p:nvSpPr>
+          <p:cNvPr id="2" name="標題 1">
+            <a:extLst>
+              <a:ext uri="{FF2B5EF4-FFF2-40B4-BE49-F238E27FC236}">
+                <a16:creationId xmlns:a16="http://schemas.microsoft.com/office/drawing/2014/main" id="{48A756CA-3D22-44C4-A510-D235794FDB7C}"/>
+              </a:ext>
+            </a:extLst>
+          </p:cNvPr>
+          <p:cNvSpPr>
+            <a:spLocks noGrp="1"/>
+          </p:cNvSpPr>
+          <p:nvPr>
+            <p:ph type="title"/>
+          </p:nvPr>
+        </p:nvSpPr>
+        <p:spPr/>
+        <p:txBody>
+          <a:bodyPr/>
+          <a:lstStyle/>
+          <a:p>
+            <a:r>
+              <a:rPr lang="zh-TW" altLang="en-US">
+                <a:ln>
+                  <a:solidFill>
+                    <a:prstClr val="black">
+                      <a:lumMod val="75000"/>
+                      <a:lumOff val="25000"/>
+                      <a:alpha val="10000"/>
+                    </a:prstClr>
+                  </a:solidFill>
+                </a:ln>
+                <a:effectLst>
+                  <a:outerShdw blurRad="9525" dist="25400" dir="14640000" algn="tl" rotWithShape="0">
+                    <a:prstClr val="black">
+                      <a:alpha val="30000"/>
+                    </a:prstClr>
+                  </a:outerShdw>
+                </a:effectLst>
+                <a:ea typeface="微軟正黑體"/>
+              </a:rPr>
+              <a:t>分析 -  parameter : </a:t>
+            </a:r>
+          </a:p>
+        </p:txBody>
+      </p:sp>
+      <p:sp>
+        <p:nvSpPr>
+          <p:cNvPr id="3" name="內容版面配置區 2">
+            <a:extLst>
+              <a:ext uri="{FF2B5EF4-FFF2-40B4-BE49-F238E27FC236}">
+                <a16:creationId xmlns:a16="http://schemas.microsoft.com/office/drawing/2014/main" id="{6D6D6801-3699-4530-8B40-96B38EC96AF5}"/>
+              </a:ext>
+            </a:extLst>
+          </p:cNvPr>
+          <p:cNvSpPr>
+            <a:spLocks noGrp="1"/>
+          </p:cNvSpPr>
+          <p:nvPr>
+            <p:ph idx="1"/>
+          </p:nvPr>
+        </p:nvSpPr>
+        <p:spPr>
+          <a:xfrm>
+            <a:off x="913795" y="1711283"/>
+            <a:ext cx="10353762" cy="4492667"/>
+          </a:xfrm>
+        </p:spPr>
+        <p:txBody>
+          <a:bodyPr>
+            <a:normAutofit/>
+          </a:bodyPr>
+          <a:lstStyle/>
+          <a:p>
+            <a:pPr indent="-305435">
+              <a:spcBef>
+                <a:spcPts val="0"/>
+              </a:spcBef>
+              <a:spcAft>
+                <a:spcPts val="0"/>
+              </a:spcAft>
+            </a:pPr>
+            <a:r>
+              <a:rPr lang="zh-TW">
+                <a:ln>
+                  <a:solidFill>
+                    <a:prstClr val="black">
+                      <a:lumMod val="75000"/>
+                      <a:lumOff val="25000"/>
+                      <a:alpha val="10000"/>
+                    </a:prstClr>
+                  </a:solidFill>
+                </a:ln>
+                <a:effectLst>
+                  <a:outerShdw blurRad="9525" dist="25400" dir="14640000" algn="tl" rotWithShape="0">
+                    <a:prstClr val="black">
+                      <a:alpha val="30000"/>
+                    </a:prstClr>
+                  </a:outerShdw>
+                </a:effectLst>
+                <a:ea typeface="微軟正黑體"/>
+              </a:rPr>
+              <a:t>Block 1 : SVM train</a:t>
+            </a:r>
+            <a:endParaRPr lang="en-US">
+              <a:ln>
+                <a:solidFill>
+                  <a:prstClr val="black">
+                    <a:lumMod val="75000"/>
+                    <a:lumOff val="25000"/>
+                    <a:alpha val="10000"/>
+                  </a:prstClr>
+                </a:solidFill>
+              </a:ln>
+              <a:effectLst>
+                <a:outerShdw blurRad="9525" dist="25400" dir="14640000" algn="tl" rotWithShape="0">
+                  <a:prstClr val="black">
+                    <a:alpha val="30000"/>
+                  </a:prstClr>
+                </a:outerShdw>
+              </a:effectLst>
+              <a:ea typeface="+mn-lt"/>
+              <a:cs typeface="+mn-lt"/>
+            </a:endParaRPr>
+          </a:p>
+          <a:p>
+            <a:pPr marL="719455" lvl="1" indent="-269875">
+              <a:spcBef>
+                <a:spcPts val="0"/>
+              </a:spcBef>
+              <a:spcAft>
+                <a:spcPts val="0"/>
+              </a:spcAft>
+            </a:pPr>
+            <a:r>
+              <a:rPr lang="zh-TW" altLang="en-US">
+                <a:ln>
+                  <a:solidFill>
+                    <a:prstClr val="black">
+                      <a:lumMod val="75000"/>
+                      <a:lumOff val="25000"/>
+                      <a:alpha val="10000"/>
+                    </a:prstClr>
+                  </a:solidFill>
+                </a:ln>
+                <a:effectLst>
+                  <a:outerShdw blurRad="9525" dist="25400" dir="14640000" algn="tl" rotWithShape="0">
+                    <a:prstClr val="black">
+                      <a:alpha val="30000"/>
+                    </a:prstClr>
+                  </a:outerShdw>
+                </a:effectLst>
+                <a:ea typeface="微軟正黑體"/>
+              </a:rPr>
+              <a:t>SVM </a:t>
+            </a:r>
+            <a:r>
+              <a:rPr lang="zh-TW">
+                <a:ln>
+                  <a:solidFill>
+                    <a:prstClr val="black">
+                      <a:lumMod val="75000"/>
+                      <a:lumOff val="25000"/>
+                      <a:alpha val="10000"/>
+                    </a:prstClr>
+                  </a:solidFill>
+                </a:ln>
+                <a:effectLst>
+                  <a:outerShdw blurRad="9525" dist="25400" dir="14640000" algn="tl" rotWithShape="0">
+                    <a:prstClr val="black">
+                      <a:alpha val="30000"/>
+                    </a:prstClr>
+                  </a:outerShdw>
+                </a:effectLst>
+                <a:ea typeface="微軟正黑體"/>
+              </a:rPr>
+              <a:t>parameter</a:t>
+            </a:r>
+            <a:endParaRPr lang="zh-TW" altLang="en-US" dirty="0">
+              <a:ln>
+                <a:solidFill>
+                  <a:prstClr val="black">
+                    <a:lumMod val="75000"/>
+                    <a:lumOff val="25000"/>
+                    <a:alpha val="10000"/>
+                  </a:prstClr>
+                </a:solidFill>
+              </a:ln>
+              <a:effectLst>
+                <a:outerShdw blurRad="9525" dist="25400" dir="14640000" algn="tl" rotWithShape="0">
+                  <a:prstClr val="black">
+                    <a:alpha val="30000"/>
+                  </a:prstClr>
+                </a:outerShdw>
+              </a:effectLst>
+              <a:ea typeface="微軟正黑體"/>
+            </a:endParaRPr>
+          </a:p>
+          <a:p>
+            <a:pPr marL="719455" lvl="1" indent="-269875">
+              <a:spcBef>
+                <a:spcPts val="0"/>
+              </a:spcBef>
+              <a:spcAft>
+                <a:spcPts val="0"/>
+              </a:spcAft>
+            </a:pPr>
+            <a:endParaRPr lang="zh-TW" altLang="en-US" dirty="0">
+              <a:ln>
+                <a:solidFill>
+                  <a:prstClr val="black">
+                    <a:lumMod val="75000"/>
+                    <a:lumOff val="25000"/>
+                    <a:alpha val="10000"/>
+                  </a:prstClr>
+                </a:solidFill>
+              </a:ln>
+              <a:effectLst>
+                <a:outerShdw blurRad="9525" dist="25400" dir="14640000" algn="tl" rotWithShape="0">
+                  <a:prstClr val="black">
+                    <a:alpha val="30000"/>
+                  </a:prstClr>
+                </a:outerShdw>
+              </a:effectLst>
+              <a:ea typeface="微軟正黑體"/>
+            </a:endParaRPr>
+          </a:p>
+          <a:p>
+            <a:pPr indent="-305435">
+              <a:spcBef>
+                <a:spcPts val="0"/>
+              </a:spcBef>
+              <a:spcAft>
+                <a:spcPts val="0"/>
+              </a:spcAft>
+            </a:pPr>
+            <a:r>
+              <a:rPr lang="zh-TW">
+                <a:ln>
+                  <a:solidFill>
+                    <a:prstClr val="black">
+                      <a:lumMod val="75000"/>
+                      <a:lumOff val="25000"/>
+                      <a:alpha val="10000"/>
+                    </a:prstClr>
+                  </a:solidFill>
+                </a:ln>
+                <a:effectLst>
+                  <a:outerShdw blurRad="9525" dist="25400" dir="14640000" algn="tl" rotWithShape="0">
+                    <a:prstClr val="black">
+                      <a:alpha val="30000"/>
+                    </a:prstClr>
+                  </a:outerShdw>
+                </a:effectLst>
+                <a:ea typeface="微軟正黑體"/>
+              </a:rPr>
+              <a:t>Block </a:t>
+            </a:r>
+            <a:r>
+              <a:rPr lang="en-US" altLang="zh-TW" dirty="0">
+                <a:ln>
+                  <a:solidFill>
+                    <a:prstClr val="black">
+                      <a:lumMod val="75000"/>
+                      <a:lumOff val="25000"/>
+                      <a:alpha val="10000"/>
+                    </a:prstClr>
+                  </a:solidFill>
+                </a:ln>
+                <a:effectLst>
+                  <a:outerShdw blurRad="9525" dist="25400" dir="14640000" algn="tl" rotWithShape="0">
+                    <a:prstClr val="black">
+                      <a:alpha val="30000"/>
+                    </a:prstClr>
+                  </a:outerShdw>
+                </a:effectLst>
+                <a:ea typeface="+mn-lt"/>
+              </a:rPr>
+              <a:t>2</a:t>
+            </a:r>
+            <a:r>
+              <a:rPr lang="zh-TW">
+                <a:ln>
+                  <a:solidFill>
+                    <a:prstClr val="black">
+                      <a:lumMod val="75000"/>
+                      <a:lumOff val="25000"/>
+                      <a:alpha val="10000"/>
+                    </a:prstClr>
+                  </a:solidFill>
+                </a:ln>
+                <a:effectLst>
+                  <a:outerShdw blurRad="9525" dist="25400" dir="14640000" algn="tl" rotWithShape="0">
+                    <a:prstClr val="black">
+                      <a:alpha val="30000"/>
+                    </a:prstClr>
+                  </a:outerShdw>
+                </a:effectLst>
+                <a:ea typeface="微軟正黑體"/>
+              </a:rPr>
+              <a:t> : SVM </a:t>
+            </a:r>
+            <a:r>
+              <a:rPr lang="en-US" altLang="zh-TW" dirty="0">
+                <a:ln>
+                  <a:solidFill>
+                    <a:prstClr val="black">
+                      <a:lumMod val="75000"/>
+                      <a:lumOff val="25000"/>
+                      <a:alpha val="10000"/>
+                    </a:prstClr>
+                  </a:solidFill>
+                </a:ln>
+                <a:effectLst>
+                  <a:outerShdw blurRad="9525" dist="25400" dir="14640000" algn="tl" rotWithShape="0">
+                    <a:prstClr val="black">
+                      <a:alpha val="30000"/>
+                    </a:prstClr>
+                  </a:outerShdw>
+                </a:effectLst>
+                <a:ea typeface="+mn-lt"/>
+              </a:rPr>
+              <a:t>p</a:t>
+            </a:r>
+            <a:r>
+              <a:rPr lang="zh-TW">
+                <a:ln>
+                  <a:solidFill>
+                    <a:prstClr val="black">
+                      <a:lumMod val="75000"/>
+                      <a:lumOff val="25000"/>
+                      <a:alpha val="10000"/>
+                    </a:prstClr>
+                  </a:solidFill>
+                </a:ln>
+                <a:effectLst>
+                  <a:outerShdw blurRad="9525" dist="25400" dir="14640000" algn="tl" rotWithShape="0">
+                    <a:prstClr val="black">
+                      <a:alpha val="30000"/>
+                    </a:prstClr>
+                  </a:outerShdw>
+                </a:effectLst>
+                <a:ea typeface="微軟正黑體"/>
+              </a:rPr>
+              <a:t>r</a:t>
+            </a:r>
+            <a:r>
+              <a:rPr lang="en-US" altLang="zh-TW" dirty="0">
+                <a:ln>
+                  <a:solidFill>
+                    <a:prstClr val="black">
+                      <a:lumMod val="75000"/>
+                      <a:lumOff val="25000"/>
+                      <a:alpha val="10000"/>
+                    </a:prstClr>
+                  </a:solidFill>
+                </a:ln>
+                <a:effectLst>
+                  <a:outerShdw blurRad="9525" dist="25400" dir="14640000" algn="tl" rotWithShape="0">
+                    <a:prstClr val="black">
+                      <a:alpha val="30000"/>
+                    </a:prstClr>
+                  </a:outerShdw>
+                </a:effectLst>
+                <a:ea typeface="+mn-lt"/>
+              </a:rPr>
+              <a:t>edict</a:t>
+            </a:r>
+            <a:endParaRPr lang="zh-TW" dirty="0">
+              <a:ln>
+                <a:solidFill>
+                  <a:prstClr val="black">
+                    <a:lumMod val="75000"/>
+                    <a:lumOff val="25000"/>
+                    <a:alpha val="10000"/>
+                  </a:prstClr>
+                </a:solidFill>
+              </a:ln>
+              <a:effectLst>
+                <a:outerShdw blurRad="9525" dist="25400" dir="14640000" algn="tl" rotWithShape="0">
+                  <a:prstClr val="black">
+                    <a:alpha val="30000"/>
+                  </a:prstClr>
+                </a:outerShdw>
+              </a:effectLst>
+              <a:ea typeface="+mn-lt"/>
+              <a:cs typeface="+mn-lt"/>
+            </a:endParaRPr>
+          </a:p>
+          <a:p>
+            <a:pPr marL="719455" lvl="1" indent="-269875">
+              <a:spcBef>
+                <a:spcPts val="0"/>
+              </a:spcBef>
+              <a:spcAft>
+                <a:spcPts val="0"/>
+              </a:spcAft>
+            </a:pPr>
+            <a:r>
+              <a:rPr lang="zh-TW" altLang="en-US" sz="2000">
+                <a:ln>
+                  <a:solidFill>
+                    <a:prstClr val="black">
+                      <a:lumMod val="75000"/>
+                      <a:lumOff val="25000"/>
+                      <a:alpha val="10000"/>
+                    </a:prstClr>
+                  </a:solidFill>
+                </a:ln>
+                <a:effectLst>
+                  <a:outerShdw blurRad="9525" dist="25400" dir="14640000" algn="tl" rotWithShape="0">
+                    <a:prstClr val="black">
+                      <a:alpha val="30000"/>
+                    </a:prstClr>
+                  </a:outerShdw>
+                </a:effectLst>
+                <a:ea typeface="微軟正黑體"/>
+              </a:rPr>
+              <a:t>NONE</a:t>
+            </a:r>
+            <a:endParaRPr lang="zh-TW" altLang="en-US" sz="2000" dirty="0">
+              <a:ln>
+                <a:solidFill>
+                  <a:prstClr val="black">
+                    <a:lumMod val="75000"/>
+                    <a:lumOff val="25000"/>
+                    <a:alpha val="10000"/>
+                  </a:prstClr>
+                </a:solidFill>
+              </a:ln>
+              <a:effectLst>
+                <a:outerShdw blurRad="9525" dist="25400" dir="14640000" algn="tl" rotWithShape="0">
+                  <a:prstClr val="black">
+                    <a:alpha val="30000"/>
+                  </a:prstClr>
+                </a:outerShdw>
+              </a:effectLst>
+              <a:ea typeface="微軟正黑體"/>
+              <a:cs typeface="+mn-lt"/>
+            </a:endParaRPr>
+          </a:p>
+          <a:p>
+            <a:pPr marL="719455" lvl="1" indent="-269875">
+              <a:spcBef>
+                <a:spcPts val="0"/>
+              </a:spcBef>
+              <a:spcAft>
+                <a:spcPts val="0"/>
+              </a:spcAft>
+            </a:pPr>
+            <a:endParaRPr lang="en-US" altLang="zh-TW" dirty="0">
+              <a:ln>
+                <a:solidFill>
+                  <a:prstClr val="black">
+                    <a:lumMod val="75000"/>
+                    <a:lumOff val="25000"/>
+                    <a:alpha val="10000"/>
+                  </a:prstClr>
+                </a:solidFill>
+              </a:ln>
+              <a:effectLst>
+                <a:outerShdw blurRad="9525" dist="25400" dir="14640000" algn="tl" rotWithShape="0">
+                  <a:prstClr val="black">
+                    <a:alpha val="30000"/>
+                  </a:prstClr>
+                </a:outerShdw>
+              </a:effectLst>
+              <a:ea typeface="微軟正黑體"/>
+            </a:endParaRPr>
+          </a:p>
+          <a:p>
+            <a:pPr indent="-305435">
+              <a:spcBef>
+                <a:spcPts val="0"/>
+              </a:spcBef>
+              <a:spcAft>
+                <a:spcPts val="0"/>
+              </a:spcAft>
+            </a:pPr>
+            <a:r>
+              <a:rPr lang="zh-TW">
+                <a:ln>
+                  <a:solidFill>
+                    <a:prstClr val="black">
+                      <a:lumMod val="75000"/>
+                      <a:lumOff val="25000"/>
+                      <a:alpha val="10000"/>
+                    </a:prstClr>
+                  </a:solidFill>
+                </a:ln>
+                <a:effectLst>
+                  <a:outerShdw blurRad="9525" dist="25400" dir="14640000" algn="tl" rotWithShape="0">
+                    <a:prstClr val="black">
+                      <a:alpha val="30000"/>
+                    </a:prstClr>
+                  </a:outerShdw>
+                </a:effectLst>
+                <a:ea typeface="微軟正黑體"/>
+              </a:rPr>
+              <a:t>Block 3 : </a:t>
+            </a:r>
+            <a:r>
+              <a:rPr lang="en-US" altLang="zh-TW" dirty="0">
+                <a:ln>
+                  <a:solidFill>
+                    <a:prstClr val="black">
+                      <a:lumMod val="75000"/>
+                      <a:lumOff val="25000"/>
+                      <a:alpha val="10000"/>
+                    </a:prstClr>
+                  </a:solidFill>
+                </a:ln>
+                <a:effectLst>
+                  <a:outerShdw blurRad="9525" dist="25400" dir="14640000" algn="tl" rotWithShape="0">
+                    <a:prstClr val="black">
+                      <a:alpha val="30000"/>
+                    </a:prstClr>
+                  </a:outerShdw>
+                </a:effectLst>
+                <a:ea typeface="+mn-lt"/>
+              </a:rPr>
+              <a:t>data transform</a:t>
+            </a:r>
+            <a:endParaRPr lang="zh-TW">
+              <a:ln>
+                <a:solidFill>
+                  <a:prstClr val="black">
+                    <a:lumMod val="75000"/>
+                    <a:lumOff val="25000"/>
+                    <a:alpha val="10000"/>
+                  </a:prstClr>
+                </a:solidFill>
+              </a:ln>
+              <a:effectLst>
+                <a:outerShdw blurRad="9525" dist="25400" dir="14640000" algn="tl" rotWithShape="0">
+                  <a:prstClr val="black">
+                    <a:alpha val="30000"/>
+                  </a:prstClr>
+                </a:outerShdw>
+              </a:effectLst>
+              <a:ea typeface="+mn-lt"/>
+            </a:endParaRPr>
+          </a:p>
+          <a:p>
+            <a:pPr marL="719455" lvl="1" indent="-269875">
+              <a:spcBef>
+                <a:spcPts val="0"/>
+              </a:spcBef>
+              <a:spcAft>
+                <a:spcPts val="0"/>
+              </a:spcAft>
+            </a:pPr>
+            <a:r>
+              <a:rPr lang="en-US" altLang="zh-TW" dirty="0" err="1">
+                <a:ln>
+                  <a:solidFill>
+                    <a:prstClr val="black">
+                      <a:lumMod val="75000"/>
+                      <a:lumOff val="25000"/>
+                      <a:alpha val="10000"/>
+                    </a:prstClr>
+                  </a:solidFill>
+                </a:ln>
+                <a:effectLst>
+                  <a:outerShdw blurRad="9525" dist="25400" dir="14640000" algn="tl" rotWithShape="0">
+                    <a:prstClr val="black">
+                      <a:alpha val="30000"/>
+                    </a:prstClr>
+                  </a:outerShdw>
+                </a:effectLst>
+                <a:ea typeface="+mn-lt"/>
+                <a:cs typeface="+mn-lt"/>
+              </a:rPr>
+              <a:t>我不告訴你</a:t>
+            </a:r>
+          </a:p>
+          <a:p>
+            <a:pPr marL="719455" lvl="1" indent="-269875">
+              <a:spcBef>
+                <a:spcPts val="0"/>
+              </a:spcBef>
+              <a:spcAft>
+                <a:spcPts val="0"/>
+              </a:spcAft>
+            </a:pPr>
+            <a:endParaRPr lang="en-US" altLang="zh-TW" dirty="0">
+              <a:ln>
+                <a:solidFill>
+                  <a:prstClr val="black">
+                    <a:lumMod val="75000"/>
+                    <a:lumOff val="25000"/>
+                    <a:alpha val="10000"/>
+                  </a:prstClr>
+                </a:solidFill>
+              </a:ln>
+              <a:effectLst>
+                <a:outerShdw blurRad="9525" dist="25400" dir="14640000" algn="tl" rotWithShape="0">
+                  <a:prstClr val="black">
+                    <a:alpha val="30000"/>
+                  </a:prstClr>
+                </a:outerShdw>
+              </a:effectLst>
+              <a:ea typeface="微軟正黑體"/>
+            </a:endParaRPr>
+          </a:p>
+          <a:p>
+            <a:pPr indent="-305435">
+              <a:spcBef>
+                <a:spcPts val="0"/>
+              </a:spcBef>
+              <a:spcAft>
+                <a:spcPts val="0"/>
+              </a:spcAft>
+            </a:pPr>
+            <a:r>
+              <a:rPr lang="zh-TW">
+                <a:ln>
+                  <a:solidFill>
+                    <a:prstClr val="black">
+                      <a:lumMod val="75000"/>
+                      <a:lumOff val="25000"/>
+                      <a:alpha val="10000"/>
+                    </a:prstClr>
+                  </a:solidFill>
+                </a:ln>
+                <a:effectLst>
+                  <a:outerShdw blurRad="9525" dist="25400" dir="14640000" algn="tl" rotWithShape="0">
+                    <a:prstClr val="black">
+                      <a:alpha val="30000"/>
+                    </a:prstClr>
+                  </a:outerShdw>
+                </a:effectLst>
+                <a:ea typeface="微軟正黑體"/>
+              </a:rPr>
+              <a:t>Block </a:t>
+            </a:r>
+            <a:r>
+              <a:rPr lang="en-US" altLang="zh-TW" dirty="0">
+                <a:ln>
+                  <a:solidFill>
+                    <a:prstClr val="black">
+                      <a:lumMod val="75000"/>
+                      <a:lumOff val="25000"/>
+                      <a:alpha val="10000"/>
+                    </a:prstClr>
+                  </a:solidFill>
+                </a:ln>
+                <a:effectLst>
+                  <a:outerShdw blurRad="9525" dist="25400" dir="14640000" algn="tl" rotWithShape="0">
+                    <a:prstClr val="black">
+                      <a:alpha val="30000"/>
+                    </a:prstClr>
+                  </a:outerShdw>
+                </a:effectLst>
+                <a:ea typeface="+mn-lt"/>
+              </a:rPr>
+              <a:t>4</a:t>
+            </a:r>
+            <a:r>
+              <a:rPr lang="zh-TW">
+                <a:ln>
+                  <a:solidFill>
+                    <a:prstClr val="black">
+                      <a:lumMod val="75000"/>
+                      <a:lumOff val="25000"/>
+                      <a:alpha val="10000"/>
+                    </a:prstClr>
+                  </a:solidFill>
+                </a:ln>
+                <a:effectLst>
+                  <a:outerShdw blurRad="9525" dist="25400" dir="14640000" algn="tl" rotWithShape="0">
+                    <a:prstClr val="black">
+                      <a:alpha val="30000"/>
+                    </a:prstClr>
+                  </a:outerShdw>
+                </a:effectLst>
+                <a:ea typeface="微軟正黑體"/>
+              </a:rPr>
+              <a:t> : </a:t>
+            </a:r>
+            <a:r>
+              <a:rPr lang="en-US" altLang="zh-TW" dirty="0">
+                <a:ln>
+                  <a:solidFill>
+                    <a:prstClr val="black">
+                      <a:lumMod val="75000"/>
+                      <a:lumOff val="25000"/>
+                      <a:alpha val="10000"/>
+                    </a:prstClr>
+                  </a:solidFill>
+                </a:ln>
+                <a:effectLst>
+                  <a:outerShdw blurRad="9525" dist="25400" dir="14640000" algn="tl" rotWithShape="0">
+                    <a:prstClr val="black">
+                      <a:alpha val="30000"/>
+                    </a:prstClr>
+                  </a:outerShdw>
+                </a:effectLst>
+                <a:ea typeface="+mn-lt"/>
+              </a:rPr>
+              <a:t>repeat Architecture</a:t>
+            </a:r>
+            <a:endParaRPr lang="zh-TW" dirty="0">
+              <a:ln>
+                <a:solidFill>
+                  <a:prstClr val="black">
+                    <a:lumMod val="75000"/>
+                    <a:lumOff val="25000"/>
+                    <a:alpha val="10000"/>
+                  </a:prstClr>
+                </a:solidFill>
+              </a:ln>
+              <a:effectLst>
+                <a:outerShdw blurRad="9525" dist="25400" dir="14640000" algn="tl" rotWithShape="0">
+                  <a:prstClr val="black">
+                    <a:alpha val="30000"/>
+                  </a:prstClr>
+                </a:outerShdw>
+              </a:effectLst>
+              <a:ea typeface="+mn-lt"/>
+              <a:cs typeface="+mn-lt"/>
+            </a:endParaRPr>
+          </a:p>
+          <a:p>
+            <a:pPr marL="719455" lvl="1" indent="-269875">
+              <a:spcBef>
+                <a:spcPts val="0"/>
+              </a:spcBef>
+              <a:spcAft>
+                <a:spcPts val="0"/>
+              </a:spcAft>
+            </a:pPr>
+            <a:r>
+              <a:rPr lang="en-US" altLang="zh-TW" dirty="0">
+                <a:ln>
+                  <a:solidFill>
+                    <a:prstClr val="black">
+                      <a:lumMod val="75000"/>
+                      <a:lumOff val="25000"/>
+                      <a:alpha val="10000"/>
+                    </a:prstClr>
+                  </a:solidFill>
+                </a:ln>
+                <a:effectLst>
+                  <a:outerShdw blurRad="9525" dist="25400" dir="14640000" algn="tl" rotWithShape="0">
+                    <a:prstClr val="black">
+                      <a:alpha val="30000"/>
+                    </a:prstClr>
+                  </a:outerShdw>
+                </a:effectLst>
+                <a:ea typeface="微軟正黑體"/>
+              </a:rPr>
+              <a:t>NONE</a:t>
+            </a:r>
+            <a:endParaRPr lang="zh-TW" altLang="en-US" dirty="0">
+              <a:ln>
+                <a:solidFill>
+                  <a:prstClr val="black">
+                    <a:lumMod val="75000"/>
+                    <a:lumOff val="25000"/>
+                    <a:alpha val="10000"/>
+                  </a:prstClr>
+                </a:solidFill>
+              </a:ln>
+              <a:effectLst>
+                <a:outerShdw blurRad="9525" dist="25400" dir="14640000" algn="tl" rotWithShape="0">
+                  <a:prstClr val="black">
+                    <a:alpha val="30000"/>
+                  </a:prstClr>
+                </a:outerShdw>
+              </a:effectLst>
+              <a:ea typeface="微軟正黑體"/>
+            </a:endParaRPr>
+          </a:p>
+          <a:p>
+            <a:pPr marL="719455" lvl="1" indent="-269875">
+              <a:spcBef>
+                <a:spcPts val="0"/>
+              </a:spcBef>
+              <a:spcAft>
+                <a:spcPts val="0"/>
+              </a:spcAft>
+            </a:pPr>
+            <a:endParaRPr lang="en-US" altLang="zh-TW" dirty="0">
+              <a:ln>
+                <a:solidFill>
+                  <a:prstClr val="black">
+                    <a:lumMod val="75000"/>
+                    <a:lumOff val="25000"/>
+                    <a:alpha val="10000"/>
+                  </a:prstClr>
+                </a:solidFill>
+              </a:ln>
+              <a:effectLst>
+                <a:outerShdw blurRad="9525" dist="25400" dir="14640000" algn="tl" rotWithShape="0">
+                  <a:prstClr val="black">
+                    <a:alpha val="30000"/>
+                  </a:prstClr>
+                </a:outerShdw>
+              </a:effectLst>
+              <a:ea typeface="微軟正黑體"/>
+            </a:endParaRPr>
+          </a:p>
+          <a:p>
+            <a:pPr indent="-305435">
+              <a:spcBef>
+                <a:spcPts val="0"/>
+              </a:spcBef>
+              <a:spcAft>
+                <a:spcPts val="0"/>
+              </a:spcAft>
+            </a:pPr>
+            <a:r>
+              <a:rPr lang="zh-TW">
+                <a:ln>
+                  <a:solidFill>
+                    <a:prstClr val="black">
+                      <a:lumMod val="75000"/>
+                      <a:lumOff val="25000"/>
+                      <a:alpha val="10000"/>
+                    </a:prstClr>
+                  </a:solidFill>
+                </a:ln>
+                <a:effectLst>
+                  <a:outerShdw blurRad="9525" dist="25400" dir="14640000" algn="tl" rotWithShape="0">
+                    <a:prstClr val="black">
+                      <a:alpha val="30000"/>
+                    </a:prstClr>
+                  </a:outerShdw>
+                </a:effectLst>
+                <a:ea typeface="微軟正黑體"/>
+              </a:rPr>
+              <a:t>Block </a:t>
+            </a:r>
+            <a:r>
+              <a:rPr lang="en-US" altLang="zh-TW" dirty="0">
+                <a:ln>
+                  <a:solidFill>
+                    <a:prstClr val="black">
+                      <a:lumMod val="75000"/>
+                      <a:lumOff val="25000"/>
+                      <a:alpha val="10000"/>
+                    </a:prstClr>
+                  </a:solidFill>
+                </a:ln>
+                <a:effectLst>
+                  <a:outerShdw blurRad="9525" dist="25400" dir="14640000" algn="tl" rotWithShape="0">
+                    <a:prstClr val="black">
+                      <a:alpha val="30000"/>
+                    </a:prstClr>
+                  </a:outerShdw>
+                </a:effectLst>
+                <a:ea typeface="+mn-lt"/>
+              </a:rPr>
+              <a:t>5</a:t>
+            </a:r>
+            <a:r>
+              <a:rPr lang="zh-TW">
+                <a:ln>
+                  <a:solidFill>
+                    <a:prstClr val="black">
+                      <a:lumMod val="75000"/>
+                      <a:lumOff val="25000"/>
+                      <a:alpha val="10000"/>
+                    </a:prstClr>
+                  </a:solidFill>
+                </a:ln>
+                <a:effectLst>
+                  <a:outerShdw blurRad="9525" dist="25400" dir="14640000" algn="tl" rotWithShape="0">
+                    <a:prstClr val="black">
+                      <a:alpha val="30000"/>
+                    </a:prstClr>
+                  </a:outerShdw>
+                </a:effectLst>
+                <a:ea typeface="微軟正黑體"/>
+              </a:rPr>
+              <a:t> : </a:t>
+            </a:r>
+            <a:r>
+              <a:rPr lang="en-US" altLang="zh-TW" dirty="0">
+                <a:ln>
+                  <a:solidFill>
+                    <a:prstClr val="black">
+                      <a:lumMod val="75000"/>
+                      <a:lumOff val="25000"/>
+                      <a:alpha val="10000"/>
+                    </a:prstClr>
+                  </a:solidFill>
+                </a:ln>
+                <a:effectLst>
+                  <a:outerShdw blurRad="9525" dist="25400" dir="14640000" algn="tl" rotWithShape="0">
+                    <a:prstClr val="black">
+                      <a:alpha val="30000"/>
+                    </a:prstClr>
+                  </a:outerShdw>
+                </a:effectLst>
+                <a:ea typeface="+mn-lt"/>
+              </a:rPr>
+              <a:t>ping</a:t>
+            </a:r>
+            <a:r>
+              <a:rPr lang="zh-TW" dirty="0">
+                <a:ln>
+                  <a:solidFill>
+                    <a:prstClr val="black">
+                      <a:lumMod val="75000"/>
+                      <a:lumOff val="25000"/>
+                      <a:alpha val="10000"/>
+                    </a:prstClr>
+                  </a:solidFill>
+                </a:ln>
+                <a:effectLst>
+                  <a:outerShdw blurRad="9525" dist="25400" dir="14640000" algn="tl" rotWithShape="0">
+                    <a:prstClr val="black">
+                      <a:alpha val="30000"/>
+                    </a:prstClr>
+                  </a:outerShdw>
+                </a:effectLst>
+                <a:ea typeface="微軟正黑體"/>
+              </a:rPr>
+              <a:t> </a:t>
+            </a:r>
+            <a:r>
+              <a:rPr lang="en-US" altLang="zh-TW" dirty="0">
+                <a:ln>
+                  <a:solidFill>
+                    <a:prstClr val="black">
+                      <a:lumMod val="75000"/>
+                      <a:lumOff val="25000"/>
+                      <a:alpha val="10000"/>
+                    </a:prstClr>
+                  </a:solidFill>
+                </a:ln>
+                <a:effectLst>
+                  <a:outerShdw blurRad="9525" dist="25400" dir="14640000" algn="tl" rotWithShape="0">
+                    <a:prstClr val="black">
+                      <a:alpha val="30000"/>
+                    </a:prstClr>
+                  </a:outerShdw>
+                </a:effectLst>
+                <a:ea typeface="+mn-lt"/>
+              </a:rPr>
+              <a:t>pong play mode</a:t>
+            </a:r>
+          </a:p>
+          <a:p>
+            <a:pPr marL="719455" lvl="1" indent="-269875">
+              <a:spcBef>
+                <a:spcPts val="0"/>
+              </a:spcBef>
+              <a:spcAft>
+                <a:spcPts val="0"/>
+              </a:spcAft>
+            </a:pPr>
+            <a:r>
+              <a:rPr lang="en-US" altLang="zh-TW">
+                <a:ln>
+                  <a:solidFill>
+                    <a:prstClr val="black">
+                      <a:lumMod val="75000"/>
+                      <a:lumOff val="25000"/>
+                      <a:alpha val="10000"/>
+                    </a:prstClr>
+                  </a:solidFill>
+                </a:ln>
+                <a:effectLst>
+                  <a:outerShdw blurRad="9525" dist="25400" dir="14640000" algn="tl" rotWithShape="0">
+                    <a:prstClr val="black">
+                      <a:alpha val="30000"/>
+                    </a:prstClr>
+                  </a:outerShdw>
+                </a:effectLst>
+                <a:ea typeface="微軟正黑體"/>
+              </a:rPr>
+              <a:t>NONE</a:t>
+            </a:r>
+            <a:endParaRPr lang="zh-TW" altLang="en-US">
+              <a:ln>
+                <a:solidFill>
+                  <a:prstClr val="black">
+                    <a:lumMod val="75000"/>
+                    <a:lumOff val="25000"/>
+                    <a:alpha val="10000"/>
+                  </a:prstClr>
+                </a:solidFill>
+              </a:ln>
+              <a:effectLst>
+                <a:outerShdw blurRad="9525" dist="25400" dir="14640000" algn="tl" rotWithShape="0">
+                  <a:prstClr val="black">
+                    <a:alpha val="30000"/>
+                  </a:prstClr>
+                </a:outerShdw>
+              </a:effectLst>
+              <a:ea typeface="微軟正黑體"/>
+            </a:endParaRPr>
+          </a:p>
+        </p:txBody>
+      </p:sp>
+    </p:spTree>
+    <p:extLst>
+      <p:ext uri="{BB962C8B-B14F-4D97-AF65-F5344CB8AC3E}">
+        <p14:creationId xmlns:p14="http://schemas.microsoft.com/office/powerpoint/2010/main" val="1271703871"/>
+      </p:ext>
+    </p:extLst>
+  </p:cSld>
+  <p:clrMapOvr>
+    <a:masterClrMapping/>
+  </p:clrMapOvr>
+</p:sld>
+</file>
+
+<file path=ppt/slides/slide7.xml><?xml version="1.0" encoding="utf-8"?>
+<p:sld xmlns:a="http://schemas.openxmlformats.org/drawingml/2006/main" xmlns:r="http://schemas.openxmlformats.org/officeDocument/2006/relationships" xmlns:p="http://schemas.openxmlformats.org/presentationml/2006/main">
+  <p:cSld>
+    <p:spTree>
+      <p:nvGrpSpPr>
+        <p:cNvPr id="1" name=""/>
+        <p:cNvGrpSpPr/>
+        <p:nvPr/>
+      </p:nvGrpSpPr>
+      <p:grpSpPr>
+        <a:xfrm>
+          <a:off x="0" y="0"/>
+          <a:ext cx="0" cy="0"/>
+          <a:chOff x="0" y="0"/>
+          <a:chExt cx="0" cy="0"/>
+        </a:xfrm>
+      </p:grpSpPr>
+      <p:sp>
+        <p:nvSpPr>
+          <p:cNvPr id="2" name="標題 1">
+            <a:extLst>
+              <a:ext uri="{FF2B5EF4-FFF2-40B4-BE49-F238E27FC236}">
+                <a16:creationId xmlns:a16="http://schemas.microsoft.com/office/drawing/2014/main" id="{2F6A1026-8942-42A8-B0B3-7CA75FD2915A}"/>
+              </a:ext>
+            </a:extLst>
+          </p:cNvPr>
+          <p:cNvSpPr>
+            <a:spLocks noGrp="1"/>
+          </p:cNvSpPr>
+          <p:nvPr>
+            <p:ph type="title"/>
+          </p:nvPr>
+        </p:nvSpPr>
+        <p:spPr/>
+        <p:txBody>
+          <a:bodyPr/>
+          <a:lstStyle/>
+          <a:p>
+            <a:r>
+              <a:rPr lang="zh-TW" altLang="en-US">
+                <a:ln>
+                  <a:solidFill>
+                    <a:prstClr val="black">
+                      <a:lumMod val="75000"/>
+                      <a:lumOff val="25000"/>
+                      <a:alpha val="10000"/>
+                    </a:prstClr>
+                  </a:solidFill>
+                </a:ln>
+                <a:effectLst>
+                  <a:outerShdw blurRad="9525" dist="25400" dir="14640000" algn="tl" rotWithShape="0">
+                    <a:prstClr val="black">
+                      <a:alpha val="30000"/>
+                    </a:prstClr>
+                  </a:outerShdw>
+                </a:effectLst>
+                <a:ea typeface="微軟正黑體"/>
+              </a:rPr>
+              <a:t>設計 : </a:t>
+            </a:r>
+            <a:endParaRPr lang="zh-TW" altLang="en-US" dirty="0">
+              <a:ln>
+                <a:solidFill>
+                  <a:prstClr val="black">
+                    <a:lumMod val="75000"/>
+                    <a:lumOff val="25000"/>
+                    <a:alpha val="10000"/>
+                  </a:prstClr>
+                </a:solidFill>
+              </a:ln>
+              <a:effectLst>
+                <a:outerShdw blurRad="9525" dist="25400" dir="14640000" algn="tl" rotWithShape="0">
+                  <a:prstClr val="black">
+                    <a:alpha val="30000"/>
+                  </a:prstClr>
+                </a:outerShdw>
+              </a:effectLst>
+              <a:ea typeface="微軟正黑體"/>
+            </a:endParaRPr>
+          </a:p>
+        </p:txBody>
+      </p:sp>
+      <p:pic>
+        <p:nvPicPr>
+          <p:cNvPr id="4" name="圖片 4">
+            <a:extLst>
+              <a:ext uri="{FF2B5EF4-FFF2-40B4-BE49-F238E27FC236}">
+                <a16:creationId xmlns:a16="http://schemas.microsoft.com/office/drawing/2014/main" id="{1529969A-BB8A-4C8A-AF59-4D245A98D14D}"/>
+              </a:ext>
+            </a:extLst>
+          </p:cNvPr>
+          <p:cNvPicPr>
+            <a:picLocks noGrp="1" noChangeAspect="1"/>
+          </p:cNvPicPr>
+          <p:nvPr>
+            <p:ph idx="1"/>
+          </p:nvPr>
+        </p:nvPicPr>
+        <p:blipFill>
+          <a:blip r:embed="rId2"/>
+          <a:stretch>
+            <a:fillRect/>
+          </a:stretch>
+        </p:blipFill>
+        <p:spPr>
+          <a:xfrm>
+            <a:off x="2099701" y="1568958"/>
+            <a:ext cx="7981950" cy="5041900"/>
+          </a:xfrm>
+        </p:spPr>
+      </p:pic>
+      <p:sp>
+        <p:nvSpPr>
+          <p:cNvPr id="9" name="矩形 8">
+            <a:extLst>
+              <a:ext uri="{FF2B5EF4-FFF2-40B4-BE49-F238E27FC236}">
+                <a16:creationId xmlns:a16="http://schemas.microsoft.com/office/drawing/2014/main" id="{E74D70F6-9796-4502-B623-20808B52150F}"/>
+              </a:ext>
+            </a:extLst>
+          </p:cNvPr>
+          <p:cNvSpPr/>
+          <p:nvPr/>
+        </p:nvSpPr>
+        <p:spPr>
+          <a:xfrm>
+            <a:off x="5940425" y="2088092"/>
+            <a:ext cx="4148666" cy="3524249"/>
+          </a:xfrm>
+          <a:prstGeom prst="rect">
+            <a:avLst/>
+          </a:prstGeom>
+        </p:spPr>
+        <p:style>
+          <a:lnRef idx="2">
+            <a:schemeClr val="accent1">
+              <a:shade val="50000"/>
+            </a:schemeClr>
+          </a:lnRef>
+          <a:fillRef idx="1">
+            <a:schemeClr val="accent1"/>
+          </a:fillRef>
+          <a:effectRef idx="0">
+            <a:schemeClr val="accent1"/>
+          </a:effectRef>
+          <a:fontRef idx="minor">
+            <a:schemeClr val="lt1"/>
+          </a:fontRef>
+        </p:style>
+        <p:txBody>
+          <a:bodyPr rtlCol="0" anchor="ctr"/>
+          <a:lstStyle/>
+          <a:p>
+            <a:pPr algn="ctr"/>
+            <a:endParaRPr lang="zh-TW" altLang="en-US"/>
+          </a:p>
+        </p:txBody>
+      </p:sp>
+    </p:spTree>
+    <p:extLst>
+      <p:ext uri="{BB962C8B-B14F-4D97-AF65-F5344CB8AC3E}">
+        <p14:creationId xmlns:p14="http://schemas.microsoft.com/office/powerpoint/2010/main" val="1245469728"/>
       </p:ext>
     </p:extLst>
   </p:cSld>
